--- a/doc/Group 2 Library Management System.pptx
+++ b/doc/Group 2 Library Management System.pptx
@@ -112,6 +112,11 @@
       </a:defRPr>
     </a:lvl9pPr>
   </p:defaultTextStyle>
+  <p:extLst>
+    <p:ext uri="{EFAFB233-063F-42B5-8137-9DF3F51BA10A}">
+      <p15:sldGuideLst xmlns:p15="http://schemas.microsoft.com/office/powerpoint/2012/main"/>
+    </p:ext>
+  </p:extLst>
 </p:presentation>
 </file>
 
@@ -304,7 +309,7 @@
             <a:fld id="{B61BEF0D-F0BB-DE4B-95CE-6DB70DBA9567}" type="datetimeFigureOut">
               <a:rPr lang="en-US" dirty="0"/>
               <a:pPr/>
-              <a:t>9/13/2024</a:t>
+              <a:t>9/14/2024</a:t>
             </a:fld>
             <a:endParaRPr lang="en-US" dirty="0"/>
           </a:p>
@@ -639,7 +644,7 @@
             <a:fld id="{B61BEF0D-F0BB-DE4B-95CE-6DB70DBA9567}" type="datetimeFigureOut">
               <a:rPr lang="en-US" dirty="0"/>
               <a:pPr/>
-              <a:t>9/13/2024</a:t>
+              <a:t>9/14/2024</a:t>
             </a:fld>
             <a:endParaRPr lang="en-US" dirty="0"/>
           </a:p>
@@ -1037,7 +1042,7 @@
             <a:fld id="{B61BEF0D-F0BB-DE4B-95CE-6DB70DBA9567}" type="datetimeFigureOut">
               <a:rPr lang="en-US" dirty="0"/>
               <a:pPr/>
-              <a:t>9/13/2024</a:t>
+              <a:t>9/14/2024</a:t>
             </a:fld>
             <a:endParaRPr lang="en-US" dirty="0"/>
           </a:p>
@@ -1370,7 +1375,7 @@
             <a:fld id="{B61BEF0D-F0BB-DE4B-95CE-6DB70DBA9567}" type="datetimeFigureOut">
               <a:rPr lang="en-US" dirty="0"/>
               <a:pPr/>
-              <a:t>9/13/2024</a:t>
+              <a:t>9/14/2024</a:t>
             </a:fld>
             <a:endParaRPr lang="en-US" dirty="0"/>
           </a:p>
@@ -1687,7 +1692,7 @@
             <a:fld id="{B61BEF0D-F0BB-DE4B-95CE-6DB70DBA9567}" type="datetimeFigureOut">
               <a:rPr lang="en-US" dirty="0"/>
               <a:pPr/>
-              <a:t>9/13/2024</a:t>
+              <a:t>9/14/2024</a:t>
             </a:fld>
             <a:endParaRPr lang="en-US" dirty="0"/>
           </a:p>
@@ -2080,7 +2085,7 @@
             <a:fld id="{B61BEF0D-F0BB-DE4B-95CE-6DB70DBA9567}" type="datetimeFigureOut">
               <a:rPr lang="en-US" dirty="0"/>
               <a:pPr/>
-              <a:t>9/13/2024</a:t>
+              <a:t>9/14/2024</a:t>
             </a:fld>
             <a:endParaRPr lang="en-US" dirty="0"/>
           </a:p>
@@ -2334,7 +2339,7 @@
             <a:fld id="{B61BEF0D-F0BB-DE4B-95CE-6DB70DBA9567}" type="datetimeFigureOut">
               <a:rPr lang="en-US" dirty="0"/>
               <a:pPr/>
-              <a:t>9/13/2024</a:t>
+              <a:t>9/14/2024</a:t>
             </a:fld>
             <a:endParaRPr lang="en-US" dirty="0"/>
           </a:p>
@@ -2593,7 +2598,7 @@
             <a:fld id="{B61BEF0D-F0BB-DE4B-95CE-6DB70DBA9567}" type="datetimeFigureOut">
               <a:rPr lang="en-US" dirty="0"/>
               <a:pPr/>
-              <a:t>9/13/2024</a:t>
+              <a:t>9/14/2024</a:t>
             </a:fld>
             <a:endParaRPr lang="en-US" dirty="0"/>
           </a:p>
@@ -2852,7 +2857,7 @@
             <a:fld id="{B61BEF0D-F0BB-DE4B-95CE-6DB70DBA9567}" type="datetimeFigureOut">
               <a:rPr lang="en-US" dirty="0"/>
               <a:pPr/>
-              <a:t>9/13/2024</a:t>
+              <a:t>9/14/2024</a:t>
             </a:fld>
             <a:endParaRPr lang="en-US" dirty="0"/>
           </a:p>
@@ -3178,7 +3183,7 @@
             <a:fld id="{B61BEF0D-F0BB-DE4B-95CE-6DB70DBA9567}" type="datetimeFigureOut">
               <a:rPr lang="en-US" dirty="0"/>
               <a:pPr/>
-              <a:t>9/13/2024</a:t>
+              <a:t>9/14/2024</a:t>
             </a:fld>
             <a:endParaRPr lang="en-US" dirty="0"/>
           </a:p>
@@ -3498,7 +3503,7 @@
             <a:fld id="{B61BEF0D-F0BB-DE4B-95CE-6DB70DBA9567}" type="datetimeFigureOut">
               <a:rPr lang="en-US" dirty="0"/>
               <a:pPr/>
-              <a:t>9/13/2024</a:t>
+              <a:t>9/14/2024</a:t>
             </a:fld>
             <a:endParaRPr lang="en-US" dirty="0"/>
           </a:p>
@@ -3952,7 +3957,7 @@
             <a:fld id="{B61BEF0D-F0BB-DE4B-95CE-6DB70DBA9567}" type="datetimeFigureOut">
               <a:rPr lang="en-US" dirty="0"/>
               <a:pPr/>
-              <a:t>9/13/2024</a:t>
+              <a:t>9/14/2024</a:t>
             </a:fld>
             <a:endParaRPr lang="en-US" dirty="0"/>
           </a:p>
@@ -4154,7 +4159,7 @@
             <a:fld id="{B61BEF0D-F0BB-DE4B-95CE-6DB70DBA9567}" type="datetimeFigureOut">
               <a:rPr lang="en-US" dirty="0"/>
               <a:pPr/>
-              <a:t>9/13/2024</a:t>
+              <a:t>9/14/2024</a:t>
             </a:fld>
             <a:endParaRPr lang="en-US" dirty="0"/>
           </a:p>
@@ -4328,7 +4333,7 @@
             <a:fld id="{B61BEF0D-F0BB-DE4B-95CE-6DB70DBA9567}" type="datetimeFigureOut">
               <a:rPr lang="en-US" dirty="0"/>
               <a:pPr/>
-              <a:t>9/13/2024</a:t>
+              <a:t>9/14/2024</a:t>
             </a:fld>
             <a:endParaRPr lang="en-US" dirty="0"/>
           </a:p>
@@ -4658,7 +4663,7 @@
             <a:fld id="{B61BEF0D-F0BB-DE4B-95CE-6DB70DBA9567}" type="datetimeFigureOut">
               <a:rPr lang="en-US" dirty="0"/>
               <a:pPr/>
-              <a:t>9/13/2024</a:t>
+              <a:t>9/14/2024</a:t>
             </a:fld>
             <a:endParaRPr lang="en-US" dirty="0"/>
           </a:p>
@@ -5000,7 +5005,7 @@
             <a:fld id="{B61BEF0D-F0BB-DE4B-95CE-6DB70DBA9567}" type="datetimeFigureOut">
               <a:rPr lang="en-US" dirty="0"/>
               <a:pPr/>
-              <a:t>9/13/2024</a:t>
+              <a:t>9/14/2024</a:t>
             </a:fld>
             <a:endParaRPr lang="en-US" dirty="0"/>
           </a:p>
@@ -7114,7 +7119,7 @@
             <a:fld id="{B61BEF0D-F0BB-DE4B-95CE-6DB70DBA9567}" type="datetimeFigureOut">
               <a:rPr lang="en-US" dirty="0"/>
               <a:pPr/>
-              <a:t>9/13/2024</a:t>
+              <a:t>9/14/2024</a:t>
             </a:fld>
             <a:endParaRPr lang="en-US" dirty="0"/>
           </a:p>
@@ -8384,7 +8389,12 @@
             <p:ph type="title"/>
           </p:nvPr>
         </p:nvSpPr>
-        <p:spPr/>
+        <p:spPr>
+          <a:xfrm>
+            <a:off x="2589212" y="5939666"/>
+            <a:ext cx="8915400" cy="566738"/>
+          </a:xfrm>
+        </p:spPr>
         <p:txBody>
           <a:bodyPr/>
           <a:lstStyle/>
@@ -8432,6 +8442,36 @@
           </a:p>
         </p:txBody>
       </p:sp>
+      <p:pic>
+        <p:nvPicPr>
+          <p:cNvPr id="4" name="Imagen 3" descr="Diagrama&#10;&#10;Descripción generada automáticamente con confianza media">
+            <a:extLst>
+              <a:ext uri="{FF2B5EF4-FFF2-40B4-BE49-F238E27FC236}">
+                <a16:creationId xmlns:a16="http://schemas.microsoft.com/office/drawing/2014/main" id="{2BB8A5CC-0EF7-59B8-4B83-7201B77BA48E}"/>
+              </a:ext>
+            </a:extLst>
+          </p:cNvPr>
+          <p:cNvPicPr>
+            <a:picLocks noChangeAspect="1"/>
+          </p:cNvPicPr>
+          <p:nvPr/>
+        </p:nvPicPr>
+        <p:blipFill>
+          <a:blip r:embed="rId2"/>
+          <a:stretch>
+            <a:fillRect/>
+          </a:stretch>
+        </p:blipFill>
+        <p:spPr>
+          <a:xfrm>
+            <a:off x="1817718" y="0"/>
+            <a:ext cx="8987041" cy="5939666"/>
+          </a:xfrm>
+          <a:prstGeom prst="rect">
+            <a:avLst/>
+          </a:prstGeom>
+        </p:spPr>
+      </p:pic>
     </p:spTree>
     <p:extLst>
       <p:ext uri="{BB962C8B-B14F-4D97-AF65-F5344CB8AC3E}">
@@ -8478,7 +8518,12 @@
             <p:ph type="title"/>
           </p:nvPr>
         </p:nvSpPr>
-        <p:spPr/>
+        <p:spPr>
+          <a:xfrm>
+            <a:off x="2589212" y="5656297"/>
+            <a:ext cx="8915400" cy="566738"/>
+          </a:xfrm>
+        </p:spPr>
         <p:txBody>
           <a:bodyPr/>
           <a:lstStyle/>
@@ -8526,6 +8571,36 @@
           </a:p>
         </p:txBody>
       </p:sp>
+      <p:pic>
+        <p:nvPicPr>
+          <p:cNvPr id="8" name="Imagen 7" descr="Diagrama&#10;&#10;Descripción generada automáticamente">
+            <a:extLst>
+              <a:ext uri="{FF2B5EF4-FFF2-40B4-BE49-F238E27FC236}">
+                <a16:creationId xmlns:a16="http://schemas.microsoft.com/office/drawing/2014/main" id="{4F117968-DF52-A85E-C24E-03BFD543FBAD}"/>
+              </a:ext>
+            </a:extLst>
+          </p:cNvPr>
+          <p:cNvPicPr>
+            <a:picLocks noChangeAspect="1"/>
+          </p:cNvPicPr>
+          <p:nvPr/>
+        </p:nvPicPr>
+        <p:blipFill>
+          <a:blip r:embed="rId2"/>
+          <a:stretch>
+            <a:fillRect/>
+          </a:stretch>
+        </p:blipFill>
+        <p:spPr>
+          <a:xfrm>
+            <a:off x="1552340" y="0"/>
+            <a:ext cx="7607158" cy="5673134"/>
+          </a:xfrm>
+          <a:prstGeom prst="rect">
+            <a:avLst/>
+          </a:prstGeom>
+        </p:spPr>
+      </p:pic>
     </p:spTree>
     <p:extLst>
       <p:ext uri="{BB962C8B-B14F-4D97-AF65-F5344CB8AC3E}">
@@ -8749,26 +8824,297 @@
           <a:lstStyle/>
           <a:p>
             <a:r>
-              <a:rPr lang="es-CO" dirty="0" err="1"/>
-              <a:t>Conclusion</a:t>
-            </a:r>
-            <a:r>
-              <a:rPr lang="es-CO" dirty="0"/>
-              <a:t> </a:t>
-            </a:r>
-            <a:r>
-              <a:rPr lang="es-CO" dirty="0" err="1"/>
-              <a:t>with</a:t>
-            </a:r>
-            <a:r>
-              <a:rPr lang="es-CO" dirty="0"/>
-              <a:t> STC </a:t>
-            </a:r>
-            <a:r>
-              <a:rPr lang="es-CO" dirty="0" err="1"/>
-              <a:t>Knowledge</a:t>
-            </a:r>
-            <a:endParaRPr lang="es-CO" dirty="0"/>
+              <a:rPr lang="en-US" dirty="0"/>
+              <a:t>Conclusion with STC Knowledge</a:t>
+            </a:r>
+          </a:p>
+        </p:txBody>
+      </p:sp>
+      <p:sp>
+        <p:nvSpPr>
+          <p:cNvPr id="4" name="CuadroTexto 3">
+            <a:extLst>
+              <a:ext uri="{FF2B5EF4-FFF2-40B4-BE49-F238E27FC236}">
+                <a16:creationId xmlns:a16="http://schemas.microsoft.com/office/drawing/2014/main" id="{73843ED1-A265-B399-96C7-DAE8AC2779C1}"/>
+              </a:ext>
+            </a:extLst>
+          </p:cNvPr>
+          <p:cNvSpPr txBox="1"/>
+          <p:nvPr/>
+        </p:nvSpPr>
+        <p:spPr>
+          <a:xfrm>
+            <a:off x="7482371" y="4456409"/>
+            <a:ext cx="3977995" cy="1477328"/>
+          </a:xfrm>
+          <a:prstGeom prst="rect">
+            <a:avLst/>
+          </a:prstGeom>
+          <a:noFill/>
+          <a:effectLst>
+            <a:softEdge rad="127000"/>
+          </a:effectLst>
+          <a:scene3d>
+            <a:camera prst="orthographicFront"/>
+            <a:lightRig rig="threePt" dir="t"/>
+          </a:scene3d>
+          <a:sp3d contourW="25400" prstMaterial="softEdge">
+            <a:bevelT prst="slope"/>
+            <a:contourClr>
+              <a:schemeClr val="accent6">
+                <a:lumMod val="75000"/>
+              </a:schemeClr>
+            </a:contourClr>
+          </a:sp3d>
+        </p:spPr>
+        <p:txBody>
+          <a:bodyPr wrap="square">
+            <a:spAutoFit/>
+          </a:bodyPr>
+          <a:lstStyle/>
+          <a:p>
+            <a:r>
+              <a:rPr lang="en-US" b="1" dirty="0"/>
+              <a:t>The field of all possibilities is the source of all the solutions: </a:t>
+            </a:r>
+            <a:r>
+              <a:rPr lang="en-US" dirty="0"/>
+              <a:t>There are many ways of solving the same problem; so, don’t be afraid of trying one new</a:t>
+            </a:r>
+          </a:p>
+        </p:txBody>
+      </p:sp>
+      <p:sp>
+        <p:nvSpPr>
+          <p:cNvPr id="7" name="CuadroTexto 6">
+            <a:extLst>
+              <a:ext uri="{FF2B5EF4-FFF2-40B4-BE49-F238E27FC236}">
+                <a16:creationId xmlns:a16="http://schemas.microsoft.com/office/drawing/2014/main" id="{E4CDE019-933B-E4DB-BA1F-AE5FE2FC8346}"/>
+              </a:ext>
+            </a:extLst>
+          </p:cNvPr>
+          <p:cNvSpPr txBox="1"/>
+          <p:nvPr/>
+        </p:nvSpPr>
+        <p:spPr>
+          <a:xfrm>
+            <a:off x="893508" y="4456409"/>
+            <a:ext cx="6098458" cy="1477328"/>
+          </a:xfrm>
+          <a:prstGeom prst="rect">
+            <a:avLst/>
+          </a:prstGeom>
+          <a:noFill/>
+          <a:effectLst>
+            <a:softEdge rad="127000"/>
+          </a:effectLst>
+          <a:scene3d>
+            <a:camera prst="orthographicFront"/>
+            <a:lightRig rig="threePt" dir="t"/>
+          </a:scene3d>
+          <a:sp3d contourW="25400" prstMaterial="softEdge">
+            <a:bevelT prst="slope"/>
+            <a:contourClr>
+              <a:schemeClr val="accent6">
+                <a:lumMod val="75000"/>
+              </a:schemeClr>
+            </a:contourClr>
+          </a:sp3d>
+        </p:spPr>
+        <p:txBody>
+          <a:bodyPr wrap="square">
+            <a:spAutoFit/>
+          </a:bodyPr>
+          <a:lstStyle>
+            <a:defPPr>
+              <a:defRPr lang="en-US"/>
+            </a:defPPr>
+            <a:lvl1pPr>
+              <a:defRPr b="1"/>
+            </a:lvl1pPr>
+          </a:lstStyle>
+          <a:p>
+            <a:r>
+              <a:rPr lang="en-US" dirty="0"/>
+              <a:t>Harmony exists in diversity: </a:t>
+            </a:r>
+            <a:r>
+              <a:rPr lang="en-US" b="0" dirty="0"/>
+              <a:t>in a group of three people from different continents, diversity shows three different ways of seeing the same problem, but harmony makes the final product achieves all the expectations. </a:t>
+            </a:r>
+          </a:p>
+        </p:txBody>
+      </p:sp>
+      <p:sp>
+        <p:nvSpPr>
+          <p:cNvPr id="9" name="CuadroTexto 8">
+            <a:extLst>
+              <a:ext uri="{FF2B5EF4-FFF2-40B4-BE49-F238E27FC236}">
+                <a16:creationId xmlns:a16="http://schemas.microsoft.com/office/drawing/2014/main" id="{17121209-BFD7-E3B3-5514-523FF52F2099}"/>
+              </a:ext>
+            </a:extLst>
+          </p:cNvPr>
+          <p:cNvSpPr txBox="1"/>
+          <p:nvPr/>
+        </p:nvSpPr>
+        <p:spPr>
+          <a:xfrm>
+            <a:off x="7482371" y="2246248"/>
+            <a:ext cx="3977995" cy="1477328"/>
+          </a:xfrm>
+          <a:prstGeom prst="rect">
+            <a:avLst/>
+          </a:prstGeom>
+          <a:noFill/>
+          <a:effectLst>
+            <a:softEdge rad="127000"/>
+          </a:effectLst>
+          <a:scene3d>
+            <a:camera prst="orthographicFront"/>
+            <a:lightRig rig="threePt" dir="t"/>
+          </a:scene3d>
+          <a:sp3d contourW="25400" prstMaterial="softEdge">
+            <a:bevelT prst="slope"/>
+            <a:contourClr>
+              <a:schemeClr val="accent6">
+                <a:lumMod val="75000"/>
+              </a:schemeClr>
+            </a:contourClr>
+          </a:sp3d>
+        </p:spPr>
+        <p:txBody>
+          <a:bodyPr wrap="square">
+            <a:spAutoFit/>
+          </a:bodyPr>
+          <a:lstStyle>
+            <a:defPPr>
+              <a:defRPr lang="en-US"/>
+            </a:defPPr>
+            <a:lvl1pPr>
+              <a:defRPr b="0"/>
+            </a:lvl1pPr>
+          </a:lstStyle>
+          <a:p>
+            <a:r>
+              <a:rPr lang="en-US" b="1" dirty="0"/>
+              <a:t>Rest and Activity are the steps of progress: </a:t>
+            </a:r>
+            <a:r>
+              <a:rPr lang="en-US" dirty="0"/>
+              <a:t>the best way to </a:t>
+            </a:r>
+            <a:r>
+              <a:rPr lang="en-US" dirty="0" err="1"/>
+              <a:t>achive</a:t>
+            </a:r>
+            <a:r>
+              <a:rPr lang="en-US" dirty="0"/>
+              <a:t> goals as a team is to define </a:t>
+            </a:r>
+            <a:r>
+              <a:rPr lang="en-US" dirty="0" err="1"/>
+              <a:t>propper</a:t>
+            </a:r>
+            <a:r>
+              <a:rPr lang="en-US" dirty="0"/>
+              <a:t> times to work, rest and personal things. </a:t>
+            </a:r>
+          </a:p>
+        </p:txBody>
+      </p:sp>
+      <p:sp>
+        <p:nvSpPr>
+          <p:cNvPr id="10" name="CuadroTexto 9">
+            <a:extLst>
+              <a:ext uri="{FF2B5EF4-FFF2-40B4-BE49-F238E27FC236}">
+                <a16:creationId xmlns:a16="http://schemas.microsoft.com/office/drawing/2014/main" id="{8295BAF3-8746-15D1-2A28-98E424A7082D}"/>
+              </a:ext>
+            </a:extLst>
+          </p:cNvPr>
+          <p:cNvSpPr txBox="1"/>
+          <p:nvPr/>
+        </p:nvSpPr>
+        <p:spPr>
+          <a:xfrm>
+            <a:off x="893508" y="2246248"/>
+            <a:ext cx="5979242" cy="1477328"/>
+          </a:xfrm>
+          <a:prstGeom prst="rect">
+            <a:avLst/>
+          </a:prstGeom>
+          <a:noFill/>
+          <a:effectLst>
+            <a:softEdge rad="127000"/>
+          </a:effectLst>
+          <a:scene3d>
+            <a:camera prst="orthographicFront"/>
+            <a:lightRig rig="threePt" dir="t"/>
+          </a:scene3d>
+          <a:sp3d contourW="25400" prstMaterial="softEdge">
+            <a:bevelT prst="slope"/>
+            <a:contourClr>
+              <a:schemeClr val="accent6">
+                <a:lumMod val="75000"/>
+              </a:schemeClr>
+            </a:contourClr>
+          </a:sp3d>
+        </p:spPr>
+        <p:txBody>
+          <a:bodyPr wrap="square">
+            <a:spAutoFit/>
+          </a:bodyPr>
+          <a:lstStyle>
+            <a:defPPr>
+              <a:defRPr lang="en-US"/>
+            </a:defPPr>
+            <a:lvl1pPr>
+              <a:defRPr b="0"/>
+            </a:lvl1pPr>
+          </a:lstStyle>
+          <a:p>
+            <a:r>
+              <a:rPr lang="en-US" b="1" dirty="0"/>
+              <a:t>Inner is the bases of the outer:  </a:t>
+            </a:r>
+            <a:r>
+              <a:rPr lang="en-US" dirty="0"/>
+              <a:t>A well-defined  object-oriented design begins by modeling the business from inside by identifying its main objects and their properties, before using them in in concrete and visible programs.</a:t>
+            </a:r>
+          </a:p>
+        </p:txBody>
+      </p:sp>
+      <p:sp>
+        <p:nvSpPr>
+          <p:cNvPr id="11" name="CuadroTexto 10">
+            <a:extLst>
+              <a:ext uri="{FF2B5EF4-FFF2-40B4-BE49-F238E27FC236}">
+                <a16:creationId xmlns:a16="http://schemas.microsoft.com/office/drawing/2014/main" id="{95E3DF03-7C94-B875-CAC7-8B46F3CE30E8}"/>
+              </a:ext>
+            </a:extLst>
+          </p:cNvPr>
+          <p:cNvSpPr txBox="1"/>
+          <p:nvPr/>
+        </p:nvSpPr>
+        <p:spPr>
+          <a:xfrm>
+            <a:off x="1689920" y="1387635"/>
+            <a:ext cx="8766686" cy="646331"/>
+          </a:xfrm>
+          <a:prstGeom prst="rect">
+            <a:avLst/>
+          </a:prstGeom>
+          <a:noFill/>
+        </p:spPr>
+        <p:txBody>
+          <a:bodyPr wrap="square">
+            <a:spAutoFit/>
+          </a:bodyPr>
+          <a:lstStyle/>
+          <a:p>
+            <a:r>
+              <a:rPr lang="en-US" dirty="0"/>
+              <a:t>This is the way that STC’s principles are related with Modern programming practices:</a:t>
+            </a:r>
           </a:p>
         </p:txBody>
       </p:sp>

--- a/doc/Group 2 Library Management System.pptx
+++ b/doc/Group 2 Library Management System.pptx
@@ -309,7 +309,7 @@
             <a:fld id="{B61BEF0D-F0BB-DE4B-95CE-6DB70DBA9567}" type="datetimeFigureOut">
               <a:rPr lang="en-US" dirty="0"/>
               <a:pPr/>
-              <a:t>9/14/2024</a:t>
+              <a:t>9/15/2024</a:t>
             </a:fld>
             <a:endParaRPr lang="en-US" dirty="0"/>
           </a:p>
@@ -644,7 +644,7 @@
             <a:fld id="{B61BEF0D-F0BB-DE4B-95CE-6DB70DBA9567}" type="datetimeFigureOut">
               <a:rPr lang="en-US" dirty="0"/>
               <a:pPr/>
-              <a:t>9/14/2024</a:t>
+              <a:t>9/15/2024</a:t>
             </a:fld>
             <a:endParaRPr lang="en-US" dirty="0"/>
           </a:p>
@@ -1042,7 +1042,7 @@
             <a:fld id="{B61BEF0D-F0BB-DE4B-95CE-6DB70DBA9567}" type="datetimeFigureOut">
               <a:rPr lang="en-US" dirty="0"/>
               <a:pPr/>
-              <a:t>9/14/2024</a:t>
+              <a:t>9/15/2024</a:t>
             </a:fld>
             <a:endParaRPr lang="en-US" dirty="0"/>
           </a:p>
@@ -1375,7 +1375,7 @@
             <a:fld id="{B61BEF0D-F0BB-DE4B-95CE-6DB70DBA9567}" type="datetimeFigureOut">
               <a:rPr lang="en-US" dirty="0"/>
               <a:pPr/>
-              <a:t>9/14/2024</a:t>
+              <a:t>9/15/2024</a:t>
             </a:fld>
             <a:endParaRPr lang="en-US" dirty="0"/>
           </a:p>
@@ -1692,7 +1692,7 @@
             <a:fld id="{B61BEF0D-F0BB-DE4B-95CE-6DB70DBA9567}" type="datetimeFigureOut">
               <a:rPr lang="en-US" dirty="0"/>
               <a:pPr/>
-              <a:t>9/14/2024</a:t>
+              <a:t>9/15/2024</a:t>
             </a:fld>
             <a:endParaRPr lang="en-US" dirty="0"/>
           </a:p>
@@ -2085,7 +2085,7 @@
             <a:fld id="{B61BEF0D-F0BB-DE4B-95CE-6DB70DBA9567}" type="datetimeFigureOut">
               <a:rPr lang="en-US" dirty="0"/>
               <a:pPr/>
-              <a:t>9/14/2024</a:t>
+              <a:t>9/15/2024</a:t>
             </a:fld>
             <a:endParaRPr lang="en-US" dirty="0"/>
           </a:p>
@@ -2339,7 +2339,7 @@
             <a:fld id="{B61BEF0D-F0BB-DE4B-95CE-6DB70DBA9567}" type="datetimeFigureOut">
               <a:rPr lang="en-US" dirty="0"/>
               <a:pPr/>
-              <a:t>9/14/2024</a:t>
+              <a:t>9/15/2024</a:t>
             </a:fld>
             <a:endParaRPr lang="en-US" dirty="0"/>
           </a:p>
@@ -2598,7 +2598,7 @@
             <a:fld id="{B61BEF0D-F0BB-DE4B-95CE-6DB70DBA9567}" type="datetimeFigureOut">
               <a:rPr lang="en-US" dirty="0"/>
               <a:pPr/>
-              <a:t>9/14/2024</a:t>
+              <a:t>9/15/2024</a:t>
             </a:fld>
             <a:endParaRPr lang="en-US" dirty="0"/>
           </a:p>
@@ -2857,7 +2857,7 @@
             <a:fld id="{B61BEF0D-F0BB-DE4B-95CE-6DB70DBA9567}" type="datetimeFigureOut">
               <a:rPr lang="en-US" dirty="0"/>
               <a:pPr/>
-              <a:t>9/14/2024</a:t>
+              <a:t>9/15/2024</a:t>
             </a:fld>
             <a:endParaRPr lang="en-US" dirty="0"/>
           </a:p>
@@ -3183,7 +3183,7 @@
             <a:fld id="{B61BEF0D-F0BB-DE4B-95CE-6DB70DBA9567}" type="datetimeFigureOut">
               <a:rPr lang="en-US" dirty="0"/>
               <a:pPr/>
-              <a:t>9/14/2024</a:t>
+              <a:t>9/15/2024</a:t>
             </a:fld>
             <a:endParaRPr lang="en-US" dirty="0"/>
           </a:p>
@@ -3503,7 +3503,7 @@
             <a:fld id="{B61BEF0D-F0BB-DE4B-95CE-6DB70DBA9567}" type="datetimeFigureOut">
               <a:rPr lang="en-US" dirty="0"/>
               <a:pPr/>
-              <a:t>9/14/2024</a:t>
+              <a:t>9/15/2024</a:t>
             </a:fld>
             <a:endParaRPr lang="en-US" dirty="0"/>
           </a:p>
@@ -3957,7 +3957,7 @@
             <a:fld id="{B61BEF0D-F0BB-DE4B-95CE-6DB70DBA9567}" type="datetimeFigureOut">
               <a:rPr lang="en-US" dirty="0"/>
               <a:pPr/>
-              <a:t>9/14/2024</a:t>
+              <a:t>9/15/2024</a:t>
             </a:fld>
             <a:endParaRPr lang="en-US" dirty="0"/>
           </a:p>
@@ -4159,7 +4159,7 @@
             <a:fld id="{B61BEF0D-F0BB-DE4B-95CE-6DB70DBA9567}" type="datetimeFigureOut">
               <a:rPr lang="en-US" dirty="0"/>
               <a:pPr/>
-              <a:t>9/14/2024</a:t>
+              <a:t>9/15/2024</a:t>
             </a:fld>
             <a:endParaRPr lang="en-US" dirty="0"/>
           </a:p>
@@ -4333,7 +4333,7 @@
             <a:fld id="{B61BEF0D-F0BB-DE4B-95CE-6DB70DBA9567}" type="datetimeFigureOut">
               <a:rPr lang="en-US" dirty="0"/>
               <a:pPr/>
-              <a:t>9/14/2024</a:t>
+              <a:t>9/15/2024</a:t>
             </a:fld>
             <a:endParaRPr lang="en-US" dirty="0"/>
           </a:p>
@@ -4663,7 +4663,7 @@
             <a:fld id="{B61BEF0D-F0BB-DE4B-95CE-6DB70DBA9567}" type="datetimeFigureOut">
               <a:rPr lang="en-US" dirty="0"/>
               <a:pPr/>
-              <a:t>9/14/2024</a:t>
+              <a:t>9/15/2024</a:t>
             </a:fld>
             <a:endParaRPr lang="en-US" dirty="0"/>
           </a:p>
@@ -5005,7 +5005,7 @@
             <a:fld id="{B61BEF0D-F0BB-DE4B-95CE-6DB70DBA9567}" type="datetimeFigureOut">
               <a:rPr lang="en-US" dirty="0"/>
               <a:pPr/>
-              <a:t>9/14/2024</a:t>
+              <a:t>9/15/2024</a:t>
             </a:fld>
             <a:endParaRPr lang="en-US" dirty="0"/>
           </a:p>
@@ -7119,7 +7119,7 @@
             <a:fld id="{B61BEF0D-F0BB-DE4B-95CE-6DB70DBA9567}" type="datetimeFigureOut">
               <a:rPr lang="en-US" dirty="0"/>
               <a:pPr/>
-              <a:t>9/14/2024</a:t>
+              <a:t>9/15/2024</a:t>
             </a:fld>
             <a:endParaRPr lang="en-US" dirty="0"/>
           </a:p>
@@ -8149,54 +8149,116 @@
             <p:ph type="title"/>
           </p:nvPr>
         </p:nvSpPr>
+        <p:spPr>
+          <a:xfrm>
+            <a:off x="2589212" y="446088"/>
+            <a:ext cx="2694617" cy="2982912"/>
+          </a:xfrm>
+        </p:spPr>
+        <p:txBody>
+          <a:bodyPr>
+            <a:normAutofit/>
+          </a:bodyPr>
+          <a:lstStyle/>
+          <a:p>
+            <a:r>
+              <a:rPr lang="es-CO" sz="2800" dirty="0" err="1"/>
+              <a:t>Class</a:t>
+            </a:r>
+            <a:r>
+              <a:rPr lang="es-CO" sz="2800" dirty="0"/>
+              <a:t> </a:t>
+            </a:r>
+            <a:r>
+              <a:rPr lang="es-CO" sz="2800" dirty="0" err="1"/>
+              <a:t>Model</a:t>
+            </a:r>
+            <a:r>
+              <a:rPr lang="es-CO" sz="2800" dirty="0"/>
+              <a:t> </a:t>
+            </a:r>
+            <a:r>
+              <a:rPr lang="es-CO" sz="2800" dirty="0" err="1"/>
+              <a:t>for</a:t>
+            </a:r>
+            <a:r>
+              <a:rPr lang="es-CO" sz="2800" dirty="0"/>
+              <a:t> </a:t>
+            </a:r>
+            <a:r>
+              <a:rPr lang="es-CO" sz="2800" dirty="0" err="1"/>
+              <a:t>add</a:t>
+            </a:r>
+            <a:r>
+              <a:rPr lang="es-CO" sz="2800" dirty="0"/>
+              <a:t> new Library </a:t>
+            </a:r>
+            <a:r>
+              <a:rPr lang="es-CO" sz="2800" dirty="0" err="1"/>
+              <a:t>Member</a:t>
+            </a:r>
+            <a:r>
+              <a:rPr lang="es-CO" sz="2800" dirty="0"/>
+              <a:t> use case</a:t>
+            </a:r>
+          </a:p>
+        </p:txBody>
+      </p:sp>
+      <p:sp>
+        <p:nvSpPr>
+          <p:cNvPr id="5" name="Marcador de contenido 4">
+            <a:extLst>
+              <a:ext uri="{FF2B5EF4-FFF2-40B4-BE49-F238E27FC236}">
+                <a16:creationId xmlns:a16="http://schemas.microsoft.com/office/drawing/2014/main" id="{1C64B499-8140-3FB2-F930-9998068EDEF7}"/>
+              </a:ext>
+            </a:extLst>
+          </p:cNvPr>
+          <p:cNvSpPr>
+            <a:spLocks noGrp="1"/>
+          </p:cNvSpPr>
+          <p:nvPr>
+            <p:ph idx="1"/>
+          </p:nvPr>
+        </p:nvSpPr>
         <p:spPr/>
         <p:txBody>
           <a:bodyPr/>
           <a:lstStyle/>
           <a:p>
-            <a:r>
-              <a:rPr lang="es-CO" dirty="0" err="1"/>
-              <a:t>Class</a:t>
-            </a:r>
-            <a:r>
-              <a:rPr lang="es-CO" dirty="0"/>
-              <a:t> </a:t>
-            </a:r>
-            <a:r>
-              <a:rPr lang="es-CO" dirty="0" err="1"/>
-              <a:t>Model</a:t>
-            </a:r>
-            <a:r>
-              <a:rPr lang="es-CO" dirty="0"/>
-              <a:t> </a:t>
-            </a:r>
-            <a:r>
-              <a:rPr lang="es-CO" dirty="0" err="1"/>
-              <a:t>for</a:t>
-            </a:r>
-            <a:r>
-              <a:rPr lang="es-CO" dirty="0"/>
-              <a:t> </a:t>
-            </a:r>
-            <a:r>
-              <a:rPr lang="es-CO" dirty="0" err="1"/>
-              <a:t>add</a:t>
-            </a:r>
-            <a:r>
-              <a:rPr lang="es-CO" dirty="0"/>
-              <a:t> new Library </a:t>
-            </a:r>
-            <a:r>
-              <a:rPr lang="es-CO" dirty="0" err="1"/>
-              <a:t>Member</a:t>
-            </a:r>
-            <a:r>
-              <a:rPr lang="es-CO" dirty="0"/>
-              <a:t> use case</a:t>
-            </a:r>
-          </a:p>
-        </p:txBody>
-      </p:sp>
+            <a:endParaRPr lang="es-CO"/>
+          </a:p>
+        </p:txBody>
+      </p:sp>
+      <p:pic>
+        <p:nvPicPr>
+          <p:cNvPr id="3" name="Imagen 2">
+            <a:extLst>
+              <a:ext uri="{FF2B5EF4-FFF2-40B4-BE49-F238E27FC236}">
+                <a16:creationId xmlns:a16="http://schemas.microsoft.com/office/drawing/2014/main" id="{89F0F5F8-0563-4412-B82E-13E86EAFF4C0}"/>
+              </a:ext>
+            </a:extLst>
+          </p:cNvPr>
+          <p:cNvPicPr>
+            <a:picLocks noChangeAspect="1"/>
+          </p:cNvPicPr>
+          <p:nvPr/>
+        </p:nvPicPr>
+        <p:blipFill>
+          <a:blip r:embed="rId2"/>
+          <a:stretch>
+            <a:fillRect/>
+          </a:stretch>
+        </p:blipFill>
+        <p:spPr>
+          <a:xfrm>
+            <a:off x="5283829" y="0"/>
+            <a:ext cx="6638794" cy="6858000"/>
+          </a:xfrm>
+          <a:prstGeom prst="rect">
+            <a:avLst/>
+          </a:prstGeom>
+        </p:spPr>
+      </p:pic>
     </p:spTree>
     <p:extLst>
       <p:ext uri="{BB962C8B-B14F-4D97-AF65-F5344CB8AC3E}">
@@ -8444,10 +8506,10 @@
       </p:sp>
       <p:pic>
         <p:nvPicPr>
-          <p:cNvPr id="4" name="Imagen 3" descr="Diagrama&#10;&#10;Descripción generada automáticamente con confianza media">
+          <p:cNvPr id="5" name="Imagen 4">
             <a:extLst>
               <a:ext uri="{FF2B5EF4-FFF2-40B4-BE49-F238E27FC236}">
-                <a16:creationId xmlns:a16="http://schemas.microsoft.com/office/drawing/2014/main" id="{2BB8A5CC-0EF7-59B8-4B83-7201B77BA48E}"/>
+                <a16:creationId xmlns:a16="http://schemas.microsoft.com/office/drawing/2014/main" id="{7FFDBFE2-0980-BBA4-111C-BF0C490D8A03}"/>
               </a:ext>
             </a:extLst>
           </p:cNvPr>
@@ -8464,8 +8526,8 @@
         </p:blipFill>
         <p:spPr>
           <a:xfrm>
-            <a:off x="1817718" y="0"/>
-            <a:ext cx="8987041" cy="5939666"/>
+            <a:off x="1627518" y="842601"/>
+            <a:ext cx="9202434" cy="5172797"/>
           </a:xfrm>
           <a:prstGeom prst="rect">
             <a:avLst/>
@@ -8573,10 +8635,10 @@
       </p:sp>
       <p:pic>
         <p:nvPicPr>
-          <p:cNvPr id="8" name="Imagen 7" descr="Diagrama&#10;&#10;Descripción generada automáticamente">
+          <p:cNvPr id="4" name="Imagen 3">
             <a:extLst>
               <a:ext uri="{FF2B5EF4-FFF2-40B4-BE49-F238E27FC236}">
-                <a16:creationId xmlns:a16="http://schemas.microsoft.com/office/drawing/2014/main" id="{4F117968-DF52-A85E-C24E-03BFD543FBAD}"/>
+                <a16:creationId xmlns:a16="http://schemas.microsoft.com/office/drawing/2014/main" id="{3DB49322-6DC3-5E36-425E-E05918B47B62}"/>
               </a:ext>
             </a:extLst>
           </p:cNvPr>
@@ -8593,8 +8655,8 @@
         </p:blipFill>
         <p:spPr>
           <a:xfrm>
-            <a:off x="1552340" y="0"/>
-            <a:ext cx="7607158" cy="5673134"/>
+            <a:off x="1570993" y="442453"/>
+            <a:ext cx="10066452" cy="5425288"/>
           </a:xfrm>
           <a:prstGeom prst="rect">
             <a:avLst/>
@@ -9001,23 +9063,7 @@
             </a:r>
             <a:r>
               <a:rPr lang="en-US" dirty="0"/>
-              <a:t>the best way to </a:t>
-            </a:r>
-            <a:r>
-              <a:rPr lang="en-US" dirty="0" err="1"/>
-              <a:t>achive</a:t>
-            </a:r>
-            <a:r>
-              <a:rPr lang="en-US" dirty="0"/>
-              <a:t> goals as a team is to define </a:t>
-            </a:r>
-            <a:r>
-              <a:rPr lang="en-US" dirty="0" err="1"/>
-              <a:t>propper</a:t>
-            </a:r>
-            <a:r>
-              <a:rPr lang="en-US" dirty="0"/>
-              <a:t> times to work, rest and personal things. </a:t>
+              <a:t>the best way to achieve goals as a team is to define proper times to work, rest and personal things. </a:t>
             </a:r>
           </a:p>
         </p:txBody>

--- a/doc/Group 2 Library Management System.pptx
+++ b/doc/Group 2 Library Management System.pptx
@@ -12,8 +12,12 @@
     <p:sldId id="261" r:id="rId6"/>
     <p:sldId id="262" r:id="rId7"/>
     <p:sldId id="260" r:id="rId8"/>
-    <p:sldId id="263" r:id="rId9"/>
-    <p:sldId id="264" r:id="rId10"/>
+    <p:sldId id="267" r:id="rId9"/>
+    <p:sldId id="268" r:id="rId10"/>
+    <p:sldId id="269" r:id="rId11"/>
+    <p:sldId id="266" r:id="rId12"/>
+    <p:sldId id="263" r:id="rId13"/>
+    <p:sldId id="264" r:id="rId14"/>
   </p:sldIdLst>
   <p:sldSz cx="12192000" cy="6858000"/>
   <p:notesSz cx="6858000" cy="9144000"/>
@@ -8023,6 +8027,895 @@
 </p:sld>
 </file>
 
+<file path=ppt/slides/slide10.xml><?xml version="1.0" encoding="utf-8"?>
+<p:sld xmlns:a="http://schemas.openxmlformats.org/drawingml/2006/main" xmlns:r="http://schemas.openxmlformats.org/officeDocument/2006/relationships" xmlns:p="http://schemas.openxmlformats.org/presentationml/2006/main">
+  <p:cSld>
+    <p:spTree>
+      <p:nvGrpSpPr>
+        <p:cNvPr id="1" name=""/>
+        <p:cNvGrpSpPr/>
+        <p:nvPr/>
+      </p:nvGrpSpPr>
+      <p:grpSpPr>
+        <a:xfrm>
+          <a:off x="0" y="0"/>
+          <a:ext cx="0" cy="0"/>
+          <a:chOff x="0" y="0"/>
+          <a:chExt cx="0" cy="0"/>
+        </a:xfrm>
+      </p:grpSpPr>
+      <p:sp>
+        <p:nvSpPr>
+          <p:cNvPr id="3" name="CuadroTexto 2">
+            <a:extLst>
+              <a:ext uri="{FF2B5EF4-FFF2-40B4-BE49-F238E27FC236}">
+                <a16:creationId xmlns:a16="http://schemas.microsoft.com/office/drawing/2014/main" id="{13183521-F7B5-E825-0145-32455DC067A9}"/>
+              </a:ext>
+            </a:extLst>
+          </p:cNvPr>
+          <p:cNvSpPr txBox="1"/>
+          <p:nvPr/>
+        </p:nvSpPr>
+        <p:spPr>
+          <a:xfrm>
+            <a:off x="731632" y="1511004"/>
+            <a:ext cx="5624923" cy="3970318"/>
+          </a:xfrm>
+          <a:prstGeom prst="rect">
+            <a:avLst/>
+          </a:prstGeom>
+          <a:noFill/>
+          <a:effectLst>
+            <a:softEdge rad="127000"/>
+          </a:effectLst>
+          <a:scene3d>
+            <a:camera prst="orthographicFront"/>
+            <a:lightRig rig="threePt" dir="t"/>
+          </a:scene3d>
+          <a:sp3d contourW="25400" prstMaterial="softEdge">
+            <a:bevelT prst="slope"/>
+            <a:contourClr>
+              <a:schemeClr val="accent6">
+                <a:lumMod val="75000"/>
+              </a:schemeClr>
+            </a:contourClr>
+          </a:sp3d>
+        </p:spPr>
+        <p:txBody>
+          <a:bodyPr wrap="square" numCol="1">
+            <a:spAutoFit/>
+          </a:bodyPr>
+          <a:lstStyle>
+            <a:defPPr>
+              <a:defRPr lang="en-US"/>
+            </a:defPPr>
+            <a:lvl1pPr>
+              <a:defRPr b="1"/>
+            </a:lvl1pPr>
+            <a:lvl2pPr marL="742950" lvl="1" indent="-285750">
+              <a:buFont typeface="Arial" panose="020B0604020202020204" pitchFamily="34" charset="0"/>
+              <a:buChar char="•"/>
+              <a:defRPr/>
+            </a:lvl2pPr>
+          </a:lstStyle>
+          <a:p>
+            <a:r>
+              <a:rPr lang="en-US" dirty="0" err="1"/>
+              <a:t>CheckoutWindow</a:t>
+            </a:r>
+            <a:r>
+              <a:rPr lang="en-US" dirty="0"/>
+              <a:t>  Validation Rules:  </a:t>
+            </a:r>
+          </a:p>
+          <a:p>
+            <a:r>
+              <a:rPr lang="en-US" dirty="0"/>
+              <a:t>o	Member Selection:</a:t>
+            </a:r>
+          </a:p>
+          <a:p>
+            <a:pPr lvl="1"/>
+            <a:r>
+              <a:rPr lang="en-US" dirty="0"/>
+              <a:t>Must select an existing library member.</a:t>
+            </a:r>
+          </a:p>
+          <a:p>
+            <a:pPr lvl="1"/>
+            <a:r>
+              <a:rPr lang="en-US" dirty="0"/>
+              <a:t>Error Message: "Please select a library member."	</a:t>
+            </a:r>
+          </a:p>
+          <a:p>
+            <a:r>
+              <a:rPr lang="en-US" dirty="0"/>
+              <a:t>o	Book Selection:</a:t>
+            </a:r>
+          </a:p>
+          <a:p>
+            <a:pPr lvl="1"/>
+            <a:r>
+              <a:rPr lang="en-US" b="0" dirty="0"/>
+              <a:t>Must select an available book.</a:t>
+            </a:r>
+          </a:p>
+          <a:p>
+            <a:pPr lvl="1"/>
+            <a:r>
+              <a:rPr lang="en-US" b="0" dirty="0"/>
+              <a:t>Error Message: "Please select a book."</a:t>
+            </a:r>
+          </a:p>
+          <a:p>
+            <a:r>
+              <a:rPr lang="en-US" dirty="0"/>
+              <a:t>o	Checkout Date:</a:t>
+            </a:r>
+          </a:p>
+          <a:p>
+            <a:pPr lvl="1"/>
+            <a:r>
+              <a:rPr lang="en-US" b="0" dirty="0"/>
+              <a:t>Automatically generated</a:t>
+            </a:r>
+          </a:p>
+          <a:p>
+            <a:r>
+              <a:rPr lang="en-US" dirty="0"/>
+              <a:t>o	Due Date:</a:t>
+            </a:r>
+          </a:p>
+          <a:p>
+            <a:pPr lvl="1"/>
+            <a:r>
+              <a:rPr lang="en-US" b="0" dirty="0"/>
+              <a:t>Calculated based on the selected book's checkout period</a:t>
+            </a:r>
+          </a:p>
+          <a:p>
+            <a:pPr lvl="1"/>
+            <a:endParaRPr lang="en-US" b="0" dirty="0"/>
+          </a:p>
+        </p:txBody>
+      </p:sp>
+      <p:sp>
+        <p:nvSpPr>
+          <p:cNvPr id="6" name="CuadroTexto 5">
+            <a:extLst>
+              <a:ext uri="{FF2B5EF4-FFF2-40B4-BE49-F238E27FC236}">
+                <a16:creationId xmlns:a16="http://schemas.microsoft.com/office/drawing/2014/main" id="{A233C207-0D05-2379-40F7-E20DA7C07E51}"/>
+              </a:ext>
+            </a:extLst>
+          </p:cNvPr>
+          <p:cNvSpPr txBox="1"/>
+          <p:nvPr/>
+        </p:nvSpPr>
+        <p:spPr>
+          <a:xfrm>
+            <a:off x="7048767" y="1511004"/>
+            <a:ext cx="4277993" cy="2308324"/>
+          </a:xfrm>
+          <a:prstGeom prst="rect">
+            <a:avLst/>
+          </a:prstGeom>
+          <a:noFill/>
+          <a:effectLst>
+            <a:softEdge rad="127000"/>
+          </a:effectLst>
+          <a:scene3d>
+            <a:camera prst="orthographicFront"/>
+            <a:lightRig rig="threePt" dir="t"/>
+          </a:scene3d>
+          <a:sp3d contourW="25400" prstMaterial="softEdge">
+            <a:bevelT prst="slope"/>
+            <a:contourClr>
+              <a:schemeClr val="accent6">
+                <a:lumMod val="75000"/>
+              </a:schemeClr>
+            </a:contourClr>
+          </a:sp3d>
+        </p:spPr>
+        <p:txBody>
+          <a:bodyPr wrap="square">
+            <a:spAutoFit/>
+          </a:bodyPr>
+          <a:lstStyle>
+            <a:defPPr>
+              <a:defRPr lang="en-US"/>
+            </a:defPPr>
+            <a:lvl1pPr>
+              <a:defRPr b="0"/>
+            </a:lvl1pPr>
+          </a:lstStyle>
+          <a:p>
+            <a:r>
+              <a:rPr lang="en-US" b="1" dirty="0" err="1"/>
+              <a:t>CheckoutWindow</a:t>
+            </a:r>
+            <a:r>
+              <a:rPr lang="en-US" b="1" dirty="0"/>
+              <a:t> - Validation Flow:  </a:t>
+            </a:r>
+          </a:p>
+          <a:p>
+            <a:r>
+              <a:rPr lang="en-US" dirty="0"/>
+              <a:t>In the </a:t>
+            </a:r>
+            <a:r>
+              <a:rPr lang="en-US" dirty="0" err="1"/>
+              <a:t>CheckoutWindow</a:t>
+            </a:r>
+            <a:r>
+              <a:rPr lang="en-US" dirty="0"/>
+              <a:t>, the user must select a valid member and book for checkout. The checkout date is automatically generated, and the due date is calculated based on the selected book’s checkout period</a:t>
+            </a:r>
+          </a:p>
+        </p:txBody>
+      </p:sp>
+      <p:sp>
+        <p:nvSpPr>
+          <p:cNvPr id="7" name="Título 1">
+            <a:extLst>
+              <a:ext uri="{FF2B5EF4-FFF2-40B4-BE49-F238E27FC236}">
+                <a16:creationId xmlns:a16="http://schemas.microsoft.com/office/drawing/2014/main" id="{F4294A29-3D3E-DA95-60DE-1FEC5A31241F}"/>
+              </a:ext>
+            </a:extLst>
+          </p:cNvPr>
+          <p:cNvSpPr>
+            <a:spLocks noGrp="1"/>
+          </p:cNvSpPr>
+          <p:nvPr>
+            <p:ph type="title"/>
+          </p:nvPr>
+        </p:nvSpPr>
+        <p:spPr>
+          <a:xfrm>
+            <a:off x="1607574" y="624110"/>
+            <a:ext cx="10146891" cy="659000"/>
+          </a:xfrm>
+        </p:spPr>
+        <p:txBody>
+          <a:bodyPr>
+            <a:normAutofit/>
+          </a:bodyPr>
+          <a:lstStyle/>
+          <a:p>
+            <a:r>
+              <a:rPr lang="en-US" sz="3200" dirty="0"/>
+              <a:t>Discussion on Validation Rules of UI Windows (4/5)</a:t>
+            </a:r>
+            <a:endParaRPr lang="es-CO" sz="3200" dirty="0"/>
+          </a:p>
+        </p:txBody>
+      </p:sp>
+    </p:spTree>
+    <p:extLst>
+      <p:ext uri="{BB962C8B-B14F-4D97-AF65-F5344CB8AC3E}">
+        <p14:creationId xmlns:p14="http://schemas.microsoft.com/office/powerpoint/2010/main" val="1373141222"/>
+      </p:ext>
+    </p:extLst>
+  </p:cSld>
+  <p:clrMapOvr>
+    <a:masterClrMapping/>
+  </p:clrMapOvr>
+</p:sld>
+</file>
+
+<file path=ppt/slides/slide11.xml><?xml version="1.0" encoding="utf-8"?>
+<p:sld xmlns:a="http://schemas.openxmlformats.org/drawingml/2006/main" xmlns:r="http://schemas.openxmlformats.org/officeDocument/2006/relationships" xmlns:p="http://schemas.openxmlformats.org/presentationml/2006/main">
+  <p:cSld>
+    <p:spTree>
+      <p:nvGrpSpPr>
+        <p:cNvPr id="1" name=""/>
+        <p:cNvGrpSpPr/>
+        <p:nvPr/>
+      </p:nvGrpSpPr>
+      <p:grpSpPr>
+        <a:xfrm>
+          <a:off x="0" y="0"/>
+          <a:ext cx="0" cy="0"/>
+          <a:chOff x="0" y="0"/>
+          <a:chExt cx="0" cy="0"/>
+        </a:xfrm>
+      </p:grpSpPr>
+      <p:sp>
+        <p:nvSpPr>
+          <p:cNvPr id="6" name="CuadroTexto 5">
+            <a:extLst>
+              <a:ext uri="{FF2B5EF4-FFF2-40B4-BE49-F238E27FC236}">
+                <a16:creationId xmlns:a16="http://schemas.microsoft.com/office/drawing/2014/main" id="{A233C207-0D05-2379-40F7-E20DA7C07E51}"/>
+              </a:ext>
+            </a:extLst>
+          </p:cNvPr>
+          <p:cNvSpPr txBox="1"/>
+          <p:nvPr/>
+        </p:nvSpPr>
+        <p:spPr>
+          <a:xfrm>
+            <a:off x="893507" y="2246248"/>
+            <a:ext cx="10492247" cy="1477328"/>
+          </a:xfrm>
+          <a:prstGeom prst="rect">
+            <a:avLst/>
+          </a:prstGeom>
+          <a:noFill/>
+          <a:effectLst>
+            <a:softEdge rad="127000"/>
+          </a:effectLst>
+          <a:scene3d>
+            <a:camera prst="orthographicFront"/>
+            <a:lightRig rig="threePt" dir="t"/>
+          </a:scene3d>
+          <a:sp3d contourW="25400" prstMaterial="softEdge">
+            <a:bevelT prst="slope"/>
+            <a:contourClr>
+              <a:schemeClr val="accent6">
+                <a:lumMod val="75000"/>
+              </a:schemeClr>
+            </a:contourClr>
+          </a:sp3d>
+        </p:spPr>
+        <p:txBody>
+          <a:bodyPr wrap="square">
+            <a:spAutoFit/>
+          </a:bodyPr>
+          <a:lstStyle>
+            <a:defPPr>
+              <a:defRPr lang="en-US"/>
+            </a:defPPr>
+            <a:lvl1pPr>
+              <a:defRPr b="0"/>
+            </a:lvl1pPr>
+          </a:lstStyle>
+          <a:p>
+            <a:r>
+              <a:rPr lang="en-US" b="1" dirty="0"/>
+              <a:t>Summary of Validation Rules:  </a:t>
+            </a:r>
+          </a:p>
+          <a:p>
+            <a:r>
+              <a:rPr lang="en-US" dirty="0"/>
+              <a:t>The validation rules implemented across the </a:t>
+            </a:r>
+            <a:r>
+              <a:rPr lang="en-US" dirty="0" err="1"/>
+              <a:t>BooksWindow,MembersWindow</a:t>
+            </a:r>
+            <a:r>
+              <a:rPr lang="en-US" dirty="0"/>
+              <a:t>, and </a:t>
+            </a:r>
+            <a:r>
+              <a:rPr lang="en-US" dirty="0" err="1"/>
+              <a:t>CheckoutWindow</a:t>
+            </a:r>
+            <a:r>
+              <a:rPr lang="en-US" dirty="0"/>
+              <a:t> ensure that data entered is complete, accurate, and prevent invalid information from being saved. This process maintains the integrity and reliability of the library system.</a:t>
+            </a:r>
+          </a:p>
+        </p:txBody>
+      </p:sp>
+      <p:sp>
+        <p:nvSpPr>
+          <p:cNvPr id="5" name="Título 1">
+            <a:extLst>
+              <a:ext uri="{FF2B5EF4-FFF2-40B4-BE49-F238E27FC236}">
+                <a16:creationId xmlns:a16="http://schemas.microsoft.com/office/drawing/2014/main" id="{BB973F9E-990E-E7EC-157F-856C0886B829}"/>
+              </a:ext>
+            </a:extLst>
+          </p:cNvPr>
+          <p:cNvSpPr>
+            <a:spLocks noGrp="1"/>
+          </p:cNvSpPr>
+          <p:nvPr>
+            <p:ph type="title"/>
+          </p:nvPr>
+        </p:nvSpPr>
+        <p:spPr>
+          <a:xfrm>
+            <a:off x="1607574" y="624110"/>
+            <a:ext cx="10146891" cy="659000"/>
+          </a:xfrm>
+        </p:spPr>
+        <p:txBody>
+          <a:bodyPr>
+            <a:normAutofit/>
+          </a:bodyPr>
+          <a:lstStyle/>
+          <a:p>
+            <a:r>
+              <a:rPr lang="en-US" sz="3200" dirty="0"/>
+              <a:t>Discussion on Validation Rules of UI Windows (5/5)</a:t>
+            </a:r>
+            <a:endParaRPr lang="es-CO" sz="3200" dirty="0"/>
+          </a:p>
+        </p:txBody>
+      </p:sp>
+    </p:spTree>
+    <p:extLst>
+      <p:ext uri="{BB962C8B-B14F-4D97-AF65-F5344CB8AC3E}">
+        <p14:creationId xmlns:p14="http://schemas.microsoft.com/office/powerpoint/2010/main" val="1717850514"/>
+      </p:ext>
+    </p:extLst>
+  </p:cSld>
+  <p:clrMapOvr>
+    <a:masterClrMapping/>
+  </p:clrMapOvr>
+</p:sld>
+</file>
+
+<file path=ppt/slides/slide12.xml><?xml version="1.0" encoding="utf-8"?>
+<p:sld xmlns:a="http://schemas.openxmlformats.org/drawingml/2006/main" xmlns:r="http://schemas.openxmlformats.org/officeDocument/2006/relationships" xmlns:p="http://schemas.openxmlformats.org/presentationml/2006/main">
+  <p:cSld>
+    <p:spTree>
+      <p:nvGrpSpPr>
+        <p:cNvPr id="1" name=""/>
+        <p:cNvGrpSpPr/>
+        <p:nvPr/>
+      </p:nvGrpSpPr>
+      <p:grpSpPr>
+        <a:xfrm>
+          <a:off x="0" y="0"/>
+          <a:ext cx="0" cy="0"/>
+          <a:chOff x="0" y="0"/>
+          <a:chExt cx="0" cy="0"/>
+        </a:xfrm>
+      </p:grpSpPr>
+      <p:sp>
+        <p:nvSpPr>
+          <p:cNvPr id="2" name="Título 1">
+            <a:extLst>
+              <a:ext uri="{FF2B5EF4-FFF2-40B4-BE49-F238E27FC236}">
+                <a16:creationId xmlns:a16="http://schemas.microsoft.com/office/drawing/2014/main" id="{3139C4F7-4E40-4E18-6FEF-885577BF1D73}"/>
+              </a:ext>
+            </a:extLst>
+          </p:cNvPr>
+          <p:cNvSpPr>
+            <a:spLocks noGrp="1"/>
+          </p:cNvSpPr>
+          <p:nvPr>
+            <p:ph type="title"/>
+          </p:nvPr>
+        </p:nvSpPr>
+        <p:spPr/>
+        <p:txBody>
+          <a:bodyPr/>
+          <a:lstStyle/>
+          <a:p>
+            <a:r>
+              <a:rPr lang="en-US" dirty="0"/>
+              <a:t>Conclusion with STC Knowledge</a:t>
+            </a:r>
+          </a:p>
+        </p:txBody>
+      </p:sp>
+      <p:sp>
+        <p:nvSpPr>
+          <p:cNvPr id="4" name="CuadroTexto 3">
+            <a:extLst>
+              <a:ext uri="{FF2B5EF4-FFF2-40B4-BE49-F238E27FC236}">
+                <a16:creationId xmlns:a16="http://schemas.microsoft.com/office/drawing/2014/main" id="{73843ED1-A265-B399-96C7-DAE8AC2779C1}"/>
+              </a:ext>
+            </a:extLst>
+          </p:cNvPr>
+          <p:cNvSpPr txBox="1"/>
+          <p:nvPr/>
+        </p:nvSpPr>
+        <p:spPr>
+          <a:xfrm>
+            <a:off x="7482371" y="4456409"/>
+            <a:ext cx="3977995" cy="1477328"/>
+          </a:xfrm>
+          <a:prstGeom prst="rect">
+            <a:avLst/>
+          </a:prstGeom>
+          <a:noFill/>
+          <a:effectLst>
+            <a:softEdge rad="127000"/>
+          </a:effectLst>
+          <a:scene3d>
+            <a:camera prst="orthographicFront"/>
+            <a:lightRig rig="threePt" dir="t"/>
+          </a:scene3d>
+          <a:sp3d contourW="25400" prstMaterial="softEdge">
+            <a:bevelT prst="slope"/>
+            <a:contourClr>
+              <a:schemeClr val="accent6">
+                <a:lumMod val="75000"/>
+              </a:schemeClr>
+            </a:contourClr>
+          </a:sp3d>
+        </p:spPr>
+        <p:txBody>
+          <a:bodyPr wrap="square">
+            <a:spAutoFit/>
+          </a:bodyPr>
+          <a:lstStyle/>
+          <a:p>
+            <a:r>
+              <a:rPr lang="en-US" b="1" dirty="0"/>
+              <a:t>The field of all possibilities is the source of all the solutions: </a:t>
+            </a:r>
+            <a:r>
+              <a:rPr lang="en-US" dirty="0"/>
+              <a:t>There are many ways of solving the same problem; so, don’t be afraid of trying one new</a:t>
+            </a:r>
+          </a:p>
+        </p:txBody>
+      </p:sp>
+      <p:sp>
+        <p:nvSpPr>
+          <p:cNvPr id="7" name="CuadroTexto 6">
+            <a:extLst>
+              <a:ext uri="{FF2B5EF4-FFF2-40B4-BE49-F238E27FC236}">
+                <a16:creationId xmlns:a16="http://schemas.microsoft.com/office/drawing/2014/main" id="{E4CDE019-933B-E4DB-BA1F-AE5FE2FC8346}"/>
+              </a:ext>
+            </a:extLst>
+          </p:cNvPr>
+          <p:cNvSpPr txBox="1"/>
+          <p:nvPr/>
+        </p:nvSpPr>
+        <p:spPr>
+          <a:xfrm>
+            <a:off x="893508" y="4456409"/>
+            <a:ext cx="6098458" cy="1477328"/>
+          </a:xfrm>
+          <a:prstGeom prst="rect">
+            <a:avLst/>
+          </a:prstGeom>
+          <a:noFill/>
+          <a:effectLst>
+            <a:softEdge rad="127000"/>
+          </a:effectLst>
+          <a:scene3d>
+            <a:camera prst="orthographicFront"/>
+            <a:lightRig rig="threePt" dir="t"/>
+          </a:scene3d>
+          <a:sp3d contourW="25400" prstMaterial="softEdge">
+            <a:bevelT prst="slope"/>
+            <a:contourClr>
+              <a:schemeClr val="accent6">
+                <a:lumMod val="75000"/>
+              </a:schemeClr>
+            </a:contourClr>
+          </a:sp3d>
+        </p:spPr>
+        <p:txBody>
+          <a:bodyPr wrap="square">
+            <a:spAutoFit/>
+          </a:bodyPr>
+          <a:lstStyle>
+            <a:defPPr>
+              <a:defRPr lang="en-US"/>
+            </a:defPPr>
+            <a:lvl1pPr>
+              <a:defRPr b="1"/>
+            </a:lvl1pPr>
+          </a:lstStyle>
+          <a:p>
+            <a:r>
+              <a:rPr lang="en-US" dirty="0"/>
+              <a:t>Harmony exists in diversity: </a:t>
+            </a:r>
+            <a:r>
+              <a:rPr lang="en-US" b="0" dirty="0"/>
+              <a:t>in a group of three people from different continents, diversity shows three different ways of seeing the same problem, but harmony makes the final product achieves all the expectations. </a:t>
+            </a:r>
+          </a:p>
+        </p:txBody>
+      </p:sp>
+      <p:sp>
+        <p:nvSpPr>
+          <p:cNvPr id="9" name="CuadroTexto 8">
+            <a:extLst>
+              <a:ext uri="{FF2B5EF4-FFF2-40B4-BE49-F238E27FC236}">
+                <a16:creationId xmlns:a16="http://schemas.microsoft.com/office/drawing/2014/main" id="{17121209-BFD7-E3B3-5514-523FF52F2099}"/>
+              </a:ext>
+            </a:extLst>
+          </p:cNvPr>
+          <p:cNvSpPr txBox="1"/>
+          <p:nvPr/>
+        </p:nvSpPr>
+        <p:spPr>
+          <a:xfrm>
+            <a:off x="7482371" y="2246248"/>
+            <a:ext cx="3977995" cy="1477328"/>
+          </a:xfrm>
+          <a:prstGeom prst="rect">
+            <a:avLst/>
+          </a:prstGeom>
+          <a:noFill/>
+          <a:effectLst>
+            <a:softEdge rad="127000"/>
+          </a:effectLst>
+          <a:scene3d>
+            <a:camera prst="orthographicFront"/>
+            <a:lightRig rig="threePt" dir="t"/>
+          </a:scene3d>
+          <a:sp3d contourW="25400" prstMaterial="softEdge">
+            <a:bevelT prst="slope"/>
+            <a:contourClr>
+              <a:schemeClr val="accent6">
+                <a:lumMod val="75000"/>
+              </a:schemeClr>
+            </a:contourClr>
+          </a:sp3d>
+        </p:spPr>
+        <p:txBody>
+          <a:bodyPr wrap="square">
+            <a:spAutoFit/>
+          </a:bodyPr>
+          <a:lstStyle>
+            <a:defPPr>
+              <a:defRPr lang="en-US"/>
+            </a:defPPr>
+            <a:lvl1pPr>
+              <a:defRPr b="0"/>
+            </a:lvl1pPr>
+          </a:lstStyle>
+          <a:p>
+            <a:r>
+              <a:rPr lang="en-US" b="1" dirty="0"/>
+              <a:t>Rest and Activity are the steps of progress: </a:t>
+            </a:r>
+            <a:r>
+              <a:rPr lang="en-US" dirty="0"/>
+              <a:t>the best way to achieve goals as a team is to define proper times to work, rest and personal things. </a:t>
+            </a:r>
+          </a:p>
+        </p:txBody>
+      </p:sp>
+      <p:sp>
+        <p:nvSpPr>
+          <p:cNvPr id="10" name="CuadroTexto 9">
+            <a:extLst>
+              <a:ext uri="{FF2B5EF4-FFF2-40B4-BE49-F238E27FC236}">
+                <a16:creationId xmlns:a16="http://schemas.microsoft.com/office/drawing/2014/main" id="{8295BAF3-8746-15D1-2A28-98E424A7082D}"/>
+              </a:ext>
+            </a:extLst>
+          </p:cNvPr>
+          <p:cNvSpPr txBox="1"/>
+          <p:nvPr/>
+        </p:nvSpPr>
+        <p:spPr>
+          <a:xfrm>
+            <a:off x="893508" y="2246248"/>
+            <a:ext cx="5979242" cy="1477328"/>
+          </a:xfrm>
+          <a:prstGeom prst="rect">
+            <a:avLst/>
+          </a:prstGeom>
+          <a:noFill/>
+          <a:effectLst>
+            <a:softEdge rad="127000"/>
+          </a:effectLst>
+          <a:scene3d>
+            <a:camera prst="orthographicFront"/>
+            <a:lightRig rig="threePt" dir="t"/>
+          </a:scene3d>
+          <a:sp3d contourW="25400" prstMaterial="softEdge">
+            <a:bevelT prst="slope"/>
+            <a:contourClr>
+              <a:schemeClr val="accent6">
+                <a:lumMod val="75000"/>
+              </a:schemeClr>
+            </a:contourClr>
+          </a:sp3d>
+        </p:spPr>
+        <p:txBody>
+          <a:bodyPr wrap="square">
+            <a:spAutoFit/>
+          </a:bodyPr>
+          <a:lstStyle>
+            <a:defPPr>
+              <a:defRPr lang="en-US"/>
+            </a:defPPr>
+            <a:lvl1pPr>
+              <a:defRPr b="0"/>
+            </a:lvl1pPr>
+          </a:lstStyle>
+          <a:p>
+            <a:r>
+              <a:rPr lang="en-US" b="1" dirty="0"/>
+              <a:t>Inner is the bases of the outer:  </a:t>
+            </a:r>
+            <a:r>
+              <a:rPr lang="en-US" dirty="0"/>
+              <a:t>A well-defined  object-oriented design begins by modeling the business from inside by identifying its main objects and their properties, before using them in in concrete and visible programs.</a:t>
+            </a:r>
+          </a:p>
+        </p:txBody>
+      </p:sp>
+      <p:sp>
+        <p:nvSpPr>
+          <p:cNvPr id="11" name="CuadroTexto 10">
+            <a:extLst>
+              <a:ext uri="{FF2B5EF4-FFF2-40B4-BE49-F238E27FC236}">
+                <a16:creationId xmlns:a16="http://schemas.microsoft.com/office/drawing/2014/main" id="{95E3DF03-7C94-B875-CAC7-8B46F3CE30E8}"/>
+              </a:ext>
+            </a:extLst>
+          </p:cNvPr>
+          <p:cNvSpPr txBox="1"/>
+          <p:nvPr/>
+        </p:nvSpPr>
+        <p:spPr>
+          <a:xfrm>
+            <a:off x="1689920" y="1387635"/>
+            <a:ext cx="8766686" cy="646331"/>
+          </a:xfrm>
+          <a:prstGeom prst="rect">
+            <a:avLst/>
+          </a:prstGeom>
+          <a:noFill/>
+        </p:spPr>
+        <p:txBody>
+          <a:bodyPr wrap="square">
+            <a:spAutoFit/>
+          </a:bodyPr>
+          <a:lstStyle/>
+          <a:p>
+            <a:r>
+              <a:rPr lang="en-US" dirty="0"/>
+              <a:t>This is the way that STC’s principles are related with Modern programming practices:</a:t>
+            </a:r>
+          </a:p>
+        </p:txBody>
+      </p:sp>
+    </p:spTree>
+    <p:extLst>
+      <p:ext uri="{BB962C8B-B14F-4D97-AF65-F5344CB8AC3E}">
+        <p14:creationId xmlns:p14="http://schemas.microsoft.com/office/powerpoint/2010/main" val="2616379525"/>
+      </p:ext>
+    </p:extLst>
+  </p:cSld>
+  <p:clrMapOvr>
+    <a:masterClrMapping/>
+  </p:clrMapOvr>
+</p:sld>
+</file>
+
+<file path=ppt/slides/slide13.xml><?xml version="1.0" encoding="utf-8"?>
+<p:sld xmlns:a="http://schemas.openxmlformats.org/drawingml/2006/main" xmlns:r="http://schemas.openxmlformats.org/officeDocument/2006/relationships" xmlns:p="http://schemas.openxmlformats.org/presentationml/2006/main">
+  <p:cSld>
+    <p:spTree>
+      <p:nvGrpSpPr>
+        <p:cNvPr id="1" name=""/>
+        <p:cNvGrpSpPr/>
+        <p:nvPr/>
+      </p:nvGrpSpPr>
+      <p:grpSpPr>
+        <a:xfrm>
+          <a:off x="0" y="0"/>
+          <a:ext cx="0" cy="0"/>
+          <a:chOff x="0" y="0"/>
+          <a:chExt cx="0" cy="0"/>
+        </a:xfrm>
+      </p:grpSpPr>
+      <p:sp>
+        <p:nvSpPr>
+          <p:cNvPr id="2" name="Título 1">
+            <a:extLst>
+              <a:ext uri="{FF2B5EF4-FFF2-40B4-BE49-F238E27FC236}">
+                <a16:creationId xmlns:a16="http://schemas.microsoft.com/office/drawing/2014/main" id="{49EE0004-994E-3424-5908-FAE69A19B5DB}"/>
+              </a:ext>
+            </a:extLst>
+          </p:cNvPr>
+          <p:cNvSpPr>
+            <a:spLocks noGrp="1"/>
+          </p:cNvSpPr>
+          <p:nvPr>
+            <p:ph type="title"/>
+          </p:nvPr>
+        </p:nvSpPr>
+        <p:spPr/>
+        <p:txBody>
+          <a:bodyPr/>
+          <a:lstStyle/>
+          <a:p>
+            <a:r>
+              <a:rPr lang="es-CO" dirty="0"/>
+              <a:t>Git Hub </a:t>
+            </a:r>
+            <a:r>
+              <a:rPr lang="es-CO" dirty="0" err="1"/>
+              <a:t>reference</a:t>
+            </a:r>
+            <a:endParaRPr lang="es-CO" dirty="0"/>
+          </a:p>
+        </p:txBody>
+      </p:sp>
+      <p:pic>
+        <p:nvPicPr>
+          <p:cNvPr id="6" name="Marcador de posición de imagen 5" descr="Un dibujo de una niña con un juguete&#10;&#10;Descripción generada automáticamente con confianza baja">
+            <a:extLst>
+              <a:ext uri="{FF2B5EF4-FFF2-40B4-BE49-F238E27FC236}">
+                <a16:creationId xmlns:a16="http://schemas.microsoft.com/office/drawing/2014/main" id="{59147B17-4342-80E8-92BE-3053A419ECB3}"/>
+              </a:ext>
+            </a:extLst>
+          </p:cNvPr>
+          <p:cNvPicPr>
+            <a:picLocks noGrp="1" noChangeAspect="1"/>
+          </p:cNvPicPr>
+          <p:nvPr>
+            <p:ph type="pic" idx="1"/>
+          </p:nvPr>
+        </p:nvPicPr>
+        <p:blipFill>
+          <a:blip r:embed="rId2"/>
+          <a:srcRect t="18029" b="18029"/>
+          <a:stretch>
+            <a:fillRect/>
+          </a:stretch>
+        </p:blipFill>
+        <p:spPr>
+          <a:xfrm>
+            <a:off x="2478376" y="583832"/>
+            <a:ext cx="8392824" cy="3629011"/>
+          </a:xfrm>
+          <a:prstGeom prst="roundRect">
+            <a:avLst>
+              <a:gd name="adj" fmla="val 8594"/>
+            </a:avLst>
+          </a:prstGeom>
+          <a:solidFill>
+            <a:srgbClr val="FFFFFF">
+              <a:shade val="85000"/>
+            </a:srgbClr>
+          </a:solidFill>
+          <a:ln>
+            <a:noFill/>
+          </a:ln>
+          <a:effectLst>
+            <a:reflection blurRad="12700" stA="38000" endPos="28000" dist="5000" dir="5400000" sy="-100000" algn="bl" rotWithShape="0"/>
+          </a:effectLst>
+        </p:spPr>
+      </p:pic>
+      <p:sp>
+        <p:nvSpPr>
+          <p:cNvPr id="4" name="Marcador de texto 3">
+            <a:extLst>
+              <a:ext uri="{FF2B5EF4-FFF2-40B4-BE49-F238E27FC236}">
+                <a16:creationId xmlns:a16="http://schemas.microsoft.com/office/drawing/2014/main" id="{6EEC8503-08DE-F0A1-6386-2EB0D08B952F}"/>
+              </a:ext>
+            </a:extLst>
+          </p:cNvPr>
+          <p:cNvSpPr>
+            <a:spLocks noGrp="1"/>
+          </p:cNvSpPr>
+          <p:nvPr>
+            <p:ph type="body" sz="half" idx="2"/>
+          </p:nvPr>
+        </p:nvSpPr>
+        <p:spPr/>
+        <p:txBody>
+          <a:bodyPr/>
+          <a:lstStyle/>
+          <a:p>
+            <a:r>
+              <a:rPr lang="es-CO" dirty="0"/>
+              <a:t>https://github.com/devmarwane/library-management</a:t>
+            </a:r>
+          </a:p>
+        </p:txBody>
+      </p:sp>
+    </p:spTree>
+    <p:extLst>
+      <p:ext uri="{BB962C8B-B14F-4D97-AF65-F5344CB8AC3E}">
+        <p14:creationId xmlns:p14="http://schemas.microsoft.com/office/powerpoint/2010/main" val="3694745281"/>
+      </p:ext>
+    </p:extLst>
+  </p:cSld>
+  <p:clrMapOvr>
+    <a:masterClrMapping/>
+  </p:clrMapOvr>
+</p:sld>
+</file>
+
 <file path=ppt/slides/slide2.xml><?xml version="1.0" encoding="utf-8"?>
 <p:sld xmlns:a="http://schemas.openxmlformats.org/drawingml/2006/main" xmlns:r="http://schemas.openxmlformats.org/officeDocument/2006/relationships" xmlns:p="http://schemas.openxmlformats.org/presentationml/2006/main">
   <p:cSld>
@@ -8709,127 +9602,109 @@
             <p:ph type="title"/>
           </p:nvPr>
         </p:nvSpPr>
-        <p:spPr/>
-        <p:txBody>
-          <a:bodyPr/>
+        <p:spPr>
+          <a:xfrm>
+            <a:off x="1607574" y="624110"/>
+            <a:ext cx="10146891" cy="659000"/>
+          </a:xfrm>
+        </p:spPr>
+        <p:txBody>
+          <a:bodyPr>
+            <a:normAutofit/>
+          </a:bodyPr>
           <a:lstStyle/>
           <a:p>
             <a:r>
-              <a:rPr lang="en-US" dirty="0"/>
-              <a:t>Discussion on Validation Rules of UI Windows</a:t>
-            </a:r>
-            <a:endParaRPr lang="es-CO" dirty="0"/>
-          </a:p>
-        </p:txBody>
-      </p:sp>
-      <p:sp>
-        <p:nvSpPr>
-          <p:cNvPr id="3" name="Marcador de contenido 2">
+              <a:rPr lang="en-US" sz="3200" dirty="0"/>
+              <a:t>Discussion on Validation Rules of UI Windows (1/5)</a:t>
+            </a:r>
+            <a:endParaRPr lang="es-CO" sz="3200" dirty="0"/>
+          </a:p>
+        </p:txBody>
+      </p:sp>
+      <p:sp>
+        <p:nvSpPr>
+          <p:cNvPr id="6" name="CuadroTexto 5">
             <a:extLst>
               <a:ext uri="{FF2B5EF4-FFF2-40B4-BE49-F238E27FC236}">
-                <a16:creationId xmlns:a16="http://schemas.microsoft.com/office/drawing/2014/main" id="{1CD9022B-D25E-AFF9-BF1C-761FD7B8A24B}"/>
+                <a16:creationId xmlns:a16="http://schemas.microsoft.com/office/drawing/2014/main" id="{A233C207-0D05-2379-40F7-E20DA7C07E51}"/>
               </a:ext>
             </a:extLst>
           </p:cNvPr>
-          <p:cNvSpPr>
-            <a:spLocks noGrp="1"/>
-          </p:cNvSpPr>
-          <p:nvPr>
-            <p:ph idx="1"/>
-          </p:nvPr>
-        </p:nvSpPr>
-        <p:spPr/>
-        <p:txBody>
-          <a:bodyPr/>
-          <a:lstStyle/>
-          <a:p>
-            <a:r>
-              <a:rPr lang="es-CO" dirty="0" err="1"/>
-              <a:t>Many</a:t>
-            </a:r>
-            <a:r>
-              <a:rPr lang="es-CO" dirty="0"/>
-              <a:t> </a:t>
-            </a:r>
-            <a:r>
-              <a:rPr lang="es-CO" dirty="0" err="1"/>
-              <a:t>sources</a:t>
-            </a:r>
-            <a:r>
-              <a:rPr lang="es-CO" dirty="0"/>
-              <a:t> </a:t>
-            </a:r>
-            <a:r>
-              <a:rPr lang="es-CO" dirty="0" err="1"/>
-              <a:t>of</a:t>
-            </a:r>
-            <a:r>
-              <a:rPr lang="es-CO" dirty="0"/>
-              <a:t> </a:t>
-            </a:r>
-            <a:r>
-              <a:rPr lang="es-CO" dirty="0" err="1"/>
-              <a:t>validation</a:t>
-            </a:r>
-            <a:r>
-              <a:rPr lang="es-CO" dirty="0"/>
-              <a:t> </a:t>
-            </a:r>
-            <a:r>
-              <a:rPr lang="es-CO" dirty="0" err="1"/>
-              <a:t>that</a:t>
-            </a:r>
-            <a:r>
-              <a:rPr lang="es-CO" dirty="0"/>
-              <a:t> </a:t>
-            </a:r>
-            <a:r>
-              <a:rPr lang="es-CO" dirty="0" err="1"/>
-              <a:t>we’ve</a:t>
-            </a:r>
-            <a:r>
-              <a:rPr lang="es-CO" dirty="0"/>
-              <a:t> done: </a:t>
-            </a:r>
-            <a:r>
-              <a:rPr lang="es-CO" dirty="0" err="1"/>
-              <a:t>uniqness</a:t>
-            </a:r>
-            <a:r>
-              <a:rPr lang="es-CO" dirty="0"/>
-              <a:t>, </a:t>
-            </a:r>
-            <a:r>
-              <a:rPr lang="es-CO" dirty="0" err="1"/>
-              <a:t>mandatory</a:t>
-            </a:r>
-            <a:r>
-              <a:rPr lang="es-CO" dirty="0"/>
-              <a:t>, </a:t>
-            </a:r>
-            <a:r>
-              <a:rPr lang="es-CO" dirty="0" err="1"/>
-              <a:t>numberformat</a:t>
-            </a:r>
-            <a:r>
-              <a:rPr lang="es-CO" dirty="0"/>
-              <a:t> </a:t>
-            </a:r>
-            <a:r>
-              <a:rPr lang="es-CO" dirty="0" err="1"/>
-              <a:t>for</a:t>
-            </a:r>
-            <a:r>
-              <a:rPr lang="es-CO" dirty="0"/>
-              <a:t> pone </a:t>
-            </a:r>
-            <a:r>
-              <a:rPr lang="es-CO" dirty="0" err="1"/>
-              <a:t>number</a:t>
-            </a:r>
-            <a:r>
-              <a:rPr lang="es-CO" dirty="0"/>
-              <a:t> and ISBN</a:t>
+          <p:cNvSpPr txBox="1"/>
+          <p:nvPr/>
+        </p:nvSpPr>
+        <p:spPr>
+          <a:xfrm>
+            <a:off x="893507" y="2246248"/>
+            <a:ext cx="10492247" cy="1200329"/>
+          </a:xfrm>
+          <a:prstGeom prst="rect">
+            <a:avLst/>
+          </a:prstGeom>
+          <a:noFill/>
+          <a:effectLst>
+            <a:softEdge rad="127000"/>
+          </a:effectLst>
+          <a:scene3d>
+            <a:camera prst="orthographicFront"/>
+            <a:lightRig rig="threePt" dir="t"/>
+          </a:scene3d>
+          <a:sp3d contourW="25400" prstMaterial="softEdge">
+            <a:bevelT prst="slope"/>
+            <a:contourClr>
+              <a:schemeClr val="accent6">
+                <a:lumMod val="75000"/>
+              </a:schemeClr>
+            </a:contourClr>
+          </a:sp3d>
+        </p:spPr>
+        <p:txBody>
+          <a:bodyPr wrap="square">
+            <a:spAutoFit/>
+          </a:bodyPr>
+          <a:lstStyle>
+            <a:defPPr>
+              <a:defRPr lang="en-US"/>
+            </a:defPPr>
+            <a:lvl1pPr>
+              <a:defRPr b="0"/>
+            </a:lvl1pPr>
+          </a:lstStyle>
+          <a:p>
+            <a:r>
+              <a:rPr lang="en-US" b="1" dirty="0"/>
+              <a:t>Introduction to UI Validation:  </a:t>
+            </a:r>
+          </a:p>
+          <a:p>
+            <a:r>
+              <a:rPr lang="en-US" dirty="0"/>
+              <a:t>In the Library System, validation rules ensure that all data entered is accurate and complete. This presentation covers the validation rules implemented for three key windows: </a:t>
+            </a:r>
+            <a:r>
+              <a:rPr lang="en-US" dirty="0" err="1"/>
+              <a:t>BooksWindow</a:t>
+            </a:r>
+            <a:r>
+              <a:rPr lang="en-US" dirty="0"/>
+              <a:t> (Books &amp; Authors), </a:t>
+            </a:r>
+            <a:r>
+              <a:rPr lang="en-US" dirty="0" err="1"/>
+              <a:t>MembersWindow</a:t>
+            </a:r>
+            <a:r>
+              <a:rPr lang="en-US" dirty="0"/>
+              <a:t>, and </a:t>
+            </a:r>
+            <a:r>
+              <a:rPr lang="en-US" dirty="0" err="1"/>
+              <a:t>CheckoutWindow</a:t>
+            </a:r>
+            <a:r>
+              <a:rPr lang="en-US" dirty="0"/>
+              <a:t>.</a:t>
             </a:r>
           </a:p>
         </p:txBody>
@@ -8866,38 +9741,10 @@
       </p:grpSpPr>
       <p:sp>
         <p:nvSpPr>
-          <p:cNvPr id="2" name="Título 1">
+          <p:cNvPr id="3" name="CuadroTexto 2">
             <a:extLst>
               <a:ext uri="{FF2B5EF4-FFF2-40B4-BE49-F238E27FC236}">
-                <a16:creationId xmlns:a16="http://schemas.microsoft.com/office/drawing/2014/main" id="{3139C4F7-4E40-4E18-6FEF-885577BF1D73}"/>
-              </a:ext>
-            </a:extLst>
-          </p:cNvPr>
-          <p:cNvSpPr>
-            <a:spLocks noGrp="1"/>
-          </p:cNvSpPr>
-          <p:nvPr>
-            <p:ph type="title"/>
-          </p:nvPr>
-        </p:nvSpPr>
-        <p:spPr/>
-        <p:txBody>
-          <a:bodyPr/>
-          <a:lstStyle/>
-          <a:p>
-            <a:r>
-              <a:rPr lang="en-US" dirty="0"/>
-              <a:t>Conclusion with STC Knowledge</a:t>
-            </a:r>
-          </a:p>
-        </p:txBody>
-      </p:sp>
-      <p:sp>
-        <p:nvSpPr>
-          <p:cNvPr id="4" name="CuadroTexto 3">
-            <a:extLst>
-              <a:ext uri="{FF2B5EF4-FFF2-40B4-BE49-F238E27FC236}">
-                <a16:creationId xmlns:a16="http://schemas.microsoft.com/office/drawing/2014/main" id="{73843ED1-A265-B399-96C7-DAE8AC2779C1}"/>
+                <a16:creationId xmlns:a16="http://schemas.microsoft.com/office/drawing/2014/main" id="{13183521-F7B5-E825-0145-32455DC067A9}"/>
               </a:ext>
             </a:extLst>
           </p:cNvPr>
@@ -8906,8 +9753,8 @@
         </p:nvSpPr>
         <p:spPr>
           <a:xfrm>
-            <a:off x="7482371" y="4456409"/>
-            <a:ext cx="3977995" cy="1477328"/>
+            <a:off x="687388" y="1225689"/>
+            <a:ext cx="11504612" cy="5632311"/>
           </a:xfrm>
           <a:prstGeom prst="rect">
             <a:avLst/>
@@ -8930,28 +9777,172 @@
           </a:sp3d>
         </p:spPr>
         <p:txBody>
-          <a:bodyPr wrap="square">
+          <a:bodyPr wrap="square" numCol="2">
             <a:spAutoFit/>
           </a:bodyPr>
-          <a:lstStyle/>
-          <a:p>
-            <a:r>
-              <a:rPr lang="en-US" b="1" dirty="0"/>
-              <a:t>The field of all possibilities is the source of all the solutions: </a:t>
+          <a:lstStyle>
+            <a:defPPr>
+              <a:defRPr lang="en-US"/>
+            </a:defPPr>
+            <a:lvl1pPr>
+              <a:defRPr b="1"/>
+            </a:lvl1pPr>
+            <a:lvl2pPr marL="742950" lvl="1" indent="-285750">
+              <a:buFont typeface="Arial" panose="020B0604020202020204" pitchFamily="34" charset="0"/>
+              <a:buChar char="•"/>
+              <a:defRPr/>
+            </a:lvl2pPr>
+          </a:lstStyle>
+          <a:p>
+            <a:r>
+              <a:rPr lang="en-US" dirty="0" err="1"/>
+              <a:t>BooksWindow</a:t>
             </a:r>
             <a:r>
               <a:rPr lang="en-US" dirty="0"/>
-              <a:t>There are many ways of solving the same problem; so, don’t be afraid of trying one new</a:t>
-            </a:r>
-          </a:p>
-        </p:txBody>
-      </p:sp>
-      <p:sp>
-        <p:nvSpPr>
-          <p:cNvPr id="7" name="CuadroTexto 6">
+              <a:t> (Books &amp; Authors) Validation Rules:  </a:t>
+            </a:r>
+          </a:p>
+          <a:p>
+            <a:r>
+              <a:rPr lang="en-US" dirty="0"/>
+              <a:t>o	ISBN Field:</a:t>
+            </a:r>
+          </a:p>
+          <a:p>
+            <a:pPr lvl="1"/>
+            <a:r>
+              <a:rPr lang="en-US" dirty="0"/>
+              <a:t>Format: XX-XXXXX (e.g., 12-34567).</a:t>
+            </a:r>
+          </a:p>
+          <a:p>
+            <a:pPr lvl="1"/>
+            <a:r>
+              <a:rPr lang="en-US" dirty="0"/>
+              <a:t>Uniqueness is enforced.</a:t>
+            </a:r>
+          </a:p>
+          <a:p>
+            <a:pPr lvl="1"/>
+            <a:r>
+              <a:rPr lang="en-US" dirty="0"/>
+              <a:t>Error Message: "ISBN must be unique and in the format 00-00000."</a:t>
+            </a:r>
+          </a:p>
+          <a:p>
+            <a:r>
+              <a:rPr lang="en-US" dirty="0"/>
+              <a:t>o	Title Field: 	</a:t>
+            </a:r>
+          </a:p>
+          <a:p>
+            <a:pPr lvl="1"/>
+            <a:r>
+              <a:rPr lang="en-US" dirty="0"/>
+              <a:t>Cannot be empty.</a:t>
+            </a:r>
+          </a:p>
+          <a:p>
+            <a:pPr lvl="1"/>
+            <a:r>
+              <a:rPr lang="en-US" dirty="0" err="1"/>
+              <a:t>rror</a:t>
+            </a:r>
+            <a:r>
+              <a:rPr lang="en-US" dirty="0"/>
+              <a:t> Message: "Title cannot be empty."</a:t>
+            </a:r>
+          </a:p>
+          <a:p>
+            <a:r>
+              <a:rPr lang="en-US" dirty="0"/>
+              <a:t>o	Author List:</a:t>
+            </a:r>
+          </a:p>
+          <a:p>
+            <a:pPr lvl="1"/>
+            <a:r>
+              <a:rPr lang="en-US" b="0" dirty="0"/>
+              <a:t>At least one author must be added.</a:t>
+            </a:r>
+          </a:p>
+          <a:p>
+            <a:pPr lvl="1"/>
+            <a:r>
+              <a:rPr lang="en-US" b="0" dirty="0"/>
+              <a:t>Error Message: "At least one author must be added."</a:t>
+            </a:r>
+          </a:p>
+          <a:p>
+            <a:r>
+              <a:rPr lang="en-US" dirty="0"/>
+              <a:t>o	Author Validation:</a:t>
+            </a:r>
+          </a:p>
+          <a:p>
+            <a:pPr lvl="1"/>
+            <a:r>
+              <a:rPr lang="en-US" b="0" dirty="0"/>
+              <a:t>First name and last name are required.</a:t>
+            </a:r>
+          </a:p>
+          <a:p>
+            <a:pPr lvl="1"/>
+            <a:r>
+              <a:rPr lang="en-US" b="0" dirty="0"/>
+              <a:t>Telephone must follow a valid US format (e.g., 123-456-7890).</a:t>
+            </a:r>
+          </a:p>
+          <a:p>
+            <a:pPr lvl="1"/>
+            <a:r>
+              <a:rPr lang="en-US" b="0" dirty="0"/>
+              <a:t>Street, city, state, and ZIP code fields are required.</a:t>
+            </a:r>
+          </a:p>
+          <a:p>
+            <a:pPr lvl="1"/>
+            <a:r>
+              <a:rPr lang="en-US" b="0" dirty="0"/>
+              <a:t>ZIP code must be 5 digits.</a:t>
+            </a:r>
+          </a:p>
+          <a:p>
+            <a:pPr lvl="1"/>
+            <a:r>
+              <a:rPr lang="en-US" b="0" dirty="0"/>
+              <a:t>Error Message: "Author fields cannot be left empty or incorrectly formatted."</a:t>
+            </a:r>
+          </a:p>
+          <a:p>
+            <a:r>
+              <a:rPr lang="en-US" dirty="0"/>
+              <a:t>o	Checkout Period:</a:t>
+            </a:r>
+          </a:p>
+          <a:p>
+            <a:pPr lvl="1"/>
+            <a:r>
+              <a:rPr lang="en-US" b="0" dirty="0"/>
+              <a:t>User must select either 7 days or 21 days.</a:t>
+            </a:r>
+          </a:p>
+          <a:p>
+            <a:pPr lvl="1"/>
+            <a:r>
+              <a:rPr lang="en-US" b="0" dirty="0"/>
+              <a:t>Error Message: "Please select a checkout period (7 or 21 days)</a:t>
+            </a:r>
+          </a:p>
+        </p:txBody>
+      </p:sp>
+      <p:sp>
+        <p:nvSpPr>
+          <p:cNvPr id="6" name="CuadroTexto 5">
             <a:extLst>
               <a:ext uri="{FF2B5EF4-FFF2-40B4-BE49-F238E27FC236}">
-                <a16:creationId xmlns:a16="http://schemas.microsoft.com/office/drawing/2014/main" id="{E4CDE019-933B-E4DB-BA1F-AE5FE2FC8346}"/>
+                <a16:creationId xmlns:a16="http://schemas.microsoft.com/office/drawing/2014/main" id="{A233C207-0D05-2379-40F7-E20DA7C07E51}"/>
               </a:ext>
             </a:extLst>
           </p:cNvPr>
@@ -8960,8 +9951,8 @@
         </p:nvSpPr>
         <p:spPr>
           <a:xfrm>
-            <a:off x="893508" y="4456409"/>
-            <a:ext cx="6098458" cy="1477328"/>
+            <a:off x="6695768" y="4272677"/>
+            <a:ext cx="5496232" cy="2585323"/>
           </a:xfrm>
           <a:prstGeom prst="rect">
             <a:avLst/>
@@ -8992,182 +9983,67 @@
               <a:defRPr lang="en-US"/>
             </a:defPPr>
             <a:lvl1pPr>
-              <a:defRPr b="1"/>
+              <a:defRPr b="0"/>
             </a:lvl1pPr>
           </a:lstStyle>
           <a:p>
             <a:r>
+              <a:rPr lang="en-US" b="1" dirty="0" err="1"/>
+              <a:t>BooksWindow</a:t>
+            </a:r>
+            <a:r>
+              <a:rPr lang="en-US" b="1" dirty="0"/>
+              <a:t> Validation Flow:  </a:t>
+            </a:r>
+          </a:p>
+          <a:p>
+            <a:r>
               <a:rPr lang="en-US" dirty="0"/>
-              <a:t>Harmony exists in diversity: </a:t>
-            </a:r>
-            <a:r>
-              <a:rPr lang="en-US" b="0" dirty="0"/>
-              <a:t>in a group of three people from different continents, diversity shows three different ways of seeing the same problem, but harmony makes the final product achieves all the expectations. </a:t>
-            </a:r>
-          </a:p>
-        </p:txBody>
-      </p:sp>
-      <p:sp>
-        <p:nvSpPr>
-          <p:cNvPr id="9" name="CuadroTexto 8">
+              <a:t>When a user attempts to add or edit a book, the system validates the ISBN for uniqueness and formatting. It also verifies that the title, author list, and author details are correctly filled. Additionally, the user must select a checkout period. If any validation fails, the system displays an error message and does not save the data.</a:t>
+            </a:r>
+          </a:p>
+        </p:txBody>
+      </p:sp>
+      <p:sp>
+        <p:nvSpPr>
+          <p:cNvPr id="10" name="Título 1">
             <a:extLst>
               <a:ext uri="{FF2B5EF4-FFF2-40B4-BE49-F238E27FC236}">
-                <a16:creationId xmlns:a16="http://schemas.microsoft.com/office/drawing/2014/main" id="{17121209-BFD7-E3B3-5514-523FF52F2099}"/>
+                <a16:creationId xmlns:a16="http://schemas.microsoft.com/office/drawing/2014/main" id="{5D15AF29-C53B-72B3-4D4F-FAE221002A5A}"/>
               </a:ext>
             </a:extLst>
           </p:cNvPr>
-          <p:cNvSpPr txBox="1"/>
-          <p:nvPr/>
+          <p:cNvSpPr>
+            <a:spLocks noGrp="1"/>
+          </p:cNvSpPr>
+          <p:nvPr>
+            <p:ph type="title"/>
+          </p:nvPr>
         </p:nvSpPr>
         <p:spPr>
           <a:xfrm>
-            <a:off x="7482371" y="2246248"/>
-            <a:ext cx="3977995" cy="1477328"/>
+            <a:off x="1607574" y="624110"/>
+            <a:ext cx="10146891" cy="659000"/>
           </a:xfrm>
-          <a:prstGeom prst="rect">
-            <a:avLst/>
-          </a:prstGeom>
-          <a:noFill/>
-          <a:effectLst>
-            <a:softEdge rad="127000"/>
-          </a:effectLst>
-          <a:scene3d>
-            <a:camera prst="orthographicFront"/>
-            <a:lightRig rig="threePt" dir="t"/>
-          </a:scene3d>
-          <a:sp3d contourW="25400" prstMaterial="softEdge">
-            <a:bevelT prst="slope"/>
-            <a:contourClr>
-              <a:schemeClr val="accent6">
-                <a:lumMod val="75000"/>
-              </a:schemeClr>
-            </a:contourClr>
-          </a:sp3d>
         </p:spPr>
         <p:txBody>
-          <a:bodyPr wrap="square">
-            <a:spAutoFit/>
-          </a:bodyPr>
-          <a:lstStyle>
-            <a:defPPr>
-              <a:defRPr lang="en-US"/>
-            </a:defPPr>
-            <a:lvl1pPr>
-              <a:defRPr b="0"/>
-            </a:lvl1pPr>
-          </a:lstStyle>
-          <a:p>
-            <a:r>
-              <a:rPr lang="en-US" b="1" dirty="0"/>
-              <a:t>Rest and Activity are the steps of progress: </a:t>
-            </a:r>
-            <a:r>
-              <a:rPr lang="en-US" dirty="0"/>
-              <a:t>the best way to achieve goals as a team is to define proper times to work, rest and personal things. </a:t>
-            </a:r>
-          </a:p>
-        </p:txBody>
-      </p:sp>
-      <p:sp>
-        <p:nvSpPr>
-          <p:cNvPr id="10" name="CuadroTexto 9">
-            <a:extLst>
-              <a:ext uri="{FF2B5EF4-FFF2-40B4-BE49-F238E27FC236}">
-                <a16:creationId xmlns:a16="http://schemas.microsoft.com/office/drawing/2014/main" id="{8295BAF3-8746-15D1-2A28-98E424A7082D}"/>
-              </a:ext>
-            </a:extLst>
-          </p:cNvPr>
-          <p:cNvSpPr txBox="1"/>
-          <p:nvPr/>
-        </p:nvSpPr>
-        <p:spPr>
-          <a:xfrm>
-            <a:off x="893508" y="2246248"/>
-            <a:ext cx="5979242" cy="1477328"/>
-          </a:xfrm>
-          <a:prstGeom prst="rect">
-            <a:avLst/>
-          </a:prstGeom>
-          <a:noFill/>
-          <a:effectLst>
-            <a:softEdge rad="127000"/>
-          </a:effectLst>
-          <a:scene3d>
-            <a:camera prst="orthographicFront"/>
-            <a:lightRig rig="threePt" dir="t"/>
-          </a:scene3d>
-          <a:sp3d contourW="25400" prstMaterial="softEdge">
-            <a:bevelT prst="slope"/>
-            <a:contourClr>
-              <a:schemeClr val="accent6">
-                <a:lumMod val="75000"/>
-              </a:schemeClr>
-            </a:contourClr>
-          </a:sp3d>
-        </p:spPr>
-        <p:txBody>
-          <a:bodyPr wrap="square">
-            <a:spAutoFit/>
-          </a:bodyPr>
-          <a:lstStyle>
-            <a:defPPr>
-              <a:defRPr lang="en-US"/>
-            </a:defPPr>
-            <a:lvl1pPr>
-              <a:defRPr b="0"/>
-            </a:lvl1pPr>
-          </a:lstStyle>
-          <a:p>
-            <a:r>
-              <a:rPr lang="en-US" b="1" dirty="0"/>
-              <a:t>Inner is the bases of the outer:  </a:t>
-            </a:r>
-            <a:r>
-              <a:rPr lang="en-US" dirty="0"/>
-              <a:t>A well-defined  object-oriented design begins by modeling the business from inside by identifying its main objects and their properties, before using them in in concrete and visible programs.</a:t>
-            </a:r>
-          </a:p>
-        </p:txBody>
-      </p:sp>
-      <p:sp>
-        <p:nvSpPr>
-          <p:cNvPr id="11" name="CuadroTexto 10">
-            <a:extLst>
-              <a:ext uri="{FF2B5EF4-FFF2-40B4-BE49-F238E27FC236}">
-                <a16:creationId xmlns:a16="http://schemas.microsoft.com/office/drawing/2014/main" id="{95E3DF03-7C94-B875-CAC7-8B46F3CE30E8}"/>
-              </a:ext>
-            </a:extLst>
-          </p:cNvPr>
-          <p:cNvSpPr txBox="1"/>
-          <p:nvPr/>
-        </p:nvSpPr>
-        <p:spPr>
-          <a:xfrm>
-            <a:off x="1689920" y="1387635"/>
-            <a:ext cx="8766686" cy="646331"/>
-          </a:xfrm>
-          <a:prstGeom prst="rect">
-            <a:avLst/>
-          </a:prstGeom>
-          <a:noFill/>
-        </p:spPr>
-        <p:txBody>
-          <a:bodyPr wrap="square">
-            <a:spAutoFit/>
+          <a:bodyPr>
+            <a:normAutofit/>
           </a:bodyPr>
           <a:lstStyle/>
           <a:p>
             <a:r>
-              <a:rPr lang="en-US" dirty="0"/>
-              <a:t>This is the way that STC’s principles are related with Modern programming practices:</a:t>
-            </a:r>
+              <a:rPr lang="en-US" sz="3200" dirty="0"/>
+              <a:t>Discussion on Validation Rules of UI Windows (2/5)</a:t>
+            </a:r>
+            <a:endParaRPr lang="es-CO" sz="3200" dirty="0"/>
           </a:p>
         </p:txBody>
       </p:sp>
     </p:spTree>
     <p:extLst>
       <p:ext uri="{BB962C8B-B14F-4D97-AF65-F5344CB8AC3E}">
-        <p14:creationId xmlns:p14="http://schemas.microsoft.com/office/powerpoint/2010/main" val="2616379525"/>
+        <p14:creationId xmlns:p14="http://schemas.microsoft.com/office/powerpoint/2010/main" val="1707205882"/>
       </p:ext>
     </p:extLst>
   </p:cSld>
@@ -9196,89 +10072,231 @@
       </p:grpSpPr>
       <p:sp>
         <p:nvSpPr>
-          <p:cNvPr id="2" name="Título 1">
+          <p:cNvPr id="3" name="CuadroTexto 2">
             <a:extLst>
               <a:ext uri="{FF2B5EF4-FFF2-40B4-BE49-F238E27FC236}">
-                <a16:creationId xmlns:a16="http://schemas.microsoft.com/office/drawing/2014/main" id="{49EE0004-994E-3424-5908-FAE69A19B5DB}"/>
+                <a16:creationId xmlns:a16="http://schemas.microsoft.com/office/drawing/2014/main" id="{13183521-F7B5-E825-0145-32455DC067A9}"/>
               </a:ext>
             </a:extLst>
           </p:cNvPr>
-          <p:cNvSpPr>
-            <a:spLocks noGrp="1"/>
-          </p:cNvSpPr>
-          <p:nvPr>
-            <p:ph type="title"/>
-          </p:nvPr>
-        </p:nvSpPr>
-        <p:spPr/>
-        <p:txBody>
-          <a:bodyPr/>
-          <a:lstStyle/>
-          <a:p>
-            <a:r>
-              <a:rPr lang="es-CO" dirty="0"/>
-              <a:t>Git Hub </a:t>
-            </a:r>
-            <a:r>
-              <a:rPr lang="es-CO" dirty="0" err="1"/>
-              <a:t>reference</a:t>
-            </a:r>
-            <a:endParaRPr lang="es-CO" dirty="0"/>
-          </a:p>
-        </p:txBody>
-      </p:sp>
-      <p:pic>
-        <p:nvPicPr>
-          <p:cNvPr id="6" name="Marcador de posición de imagen 5" descr="Un dibujo de una niña con un juguete&#10;&#10;Descripción generada automáticamente con confianza baja">
+          <p:cNvSpPr txBox="1"/>
+          <p:nvPr/>
+        </p:nvSpPr>
+        <p:spPr>
+          <a:xfrm>
+            <a:off x="687387" y="1225689"/>
+            <a:ext cx="11504613" cy="5078313"/>
+          </a:xfrm>
+          <a:prstGeom prst="rect">
+            <a:avLst/>
+          </a:prstGeom>
+          <a:noFill/>
+          <a:effectLst>
+            <a:softEdge rad="127000"/>
+          </a:effectLst>
+          <a:scene3d>
+            <a:camera prst="orthographicFront"/>
+            <a:lightRig rig="threePt" dir="t"/>
+          </a:scene3d>
+          <a:sp3d contourW="25400" prstMaterial="softEdge">
+            <a:bevelT prst="slope"/>
+            <a:contourClr>
+              <a:schemeClr val="accent6">
+                <a:lumMod val="75000"/>
+              </a:schemeClr>
+            </a:contourClr>
+          </a:sp3d>
+        </p:spPr>
+        <p:txBody>
+          <a:bodyPr wrap="square" numCol="2">
+            <a:spAutoFit/>
+          </a:bodyPr>
+          <a:lstStyle>
+            <a:defPPr>
+              <a:defRPr lang="en-US"/>
+            </a:defPPr>
+            <a:lvl1pPr>
+              <a:defRPr b="1"/>
+            </a:lvl1pPr>
+            <a:lvl2pPr marL="742950" lvl="1" indent="-285750">
+              <a:buFont typeface="Arial" panose="020B0604020202020204" pitchFamily="34" charset="0"/>
+              <a:buChar char="•"/>
+              <a:defRPr/>
+            </a:lvl2pPr>
+          </a:lstStyle>
+          <a:p>
+            <a:r>
+              <a:rPr lang="en-US" dirty="0" err="1"/>
+              <a:t>MembersWindow</a:t>
+            </a:r>
+            <a:r>
+              <a:rPr lang="en-US" dirty="0"/>
+              <a:t> Validation Rules:  </a:t>
+            </a:r>
+          </a:p>
+          <a:p>
+            <a:r>
+              <a:rPr lang="en-US" dirty="0"/>
+              <a:t>o	o	Member ID:</a:t>
+            </a:r>
+          </a:p>
+          <a:p>
+            <a:pPr lvl="1"/>
+            <a:r>
+              <a:rPr lang="en-US" dirty="0"/>
+              <a:t>Automatically generated and cannot be edited	</a:t>
+            </a:r>
+          </a:p>
+          <a:p>
+            <a:r>
+              <a:rPr lang="en-US" dirty="0"/>
+              <a:t>o	First Name and Last Name:</a:t>
+            </a:r>
+          </a:p>
+          <a:p>
+            <a:pPr lvl="1"/>
+            <a:r>
+              <a:rPr lang="en-US" b="0" dirty="0"/>
+              <a:t>Both fields are required.</a:t>
+            </a:r>
+          </a:p>
+          <a:p>
+            <a:pPr lvl="1"/>
+            <a:r>
+              <a:rPr lang="en-US" b="0" dirty="0"/>
+              <a:t>Error Message: "First name and last name cannot be empty."</a:t>
+            </a:r>
+          </a:p>
+          <a:p>
+            <a:r>
+              <a:rPr lang="en-US" dirty="0"/>
+              <a:t>o	Phone Number:</a:t>
+            </a:r>
+          </a:p>
+          <a:p>
+            <a:pPr lvl="1"/>
+            <a:r>
+              <a:rPr lang="en-US" b="0" dirty="0"/>
+              <a:t>Must be a valid US format: (123) 456-7890 or 123-456-7890.</a:t>
+            </a:r>
+          </a:p>
+          <a:p>
+            <a:pPr lvl="1"/>
+            <a:r>
+              <a:rPr lang="en-US" b="0" dirty="0"/>
+              <a:t>Error Message: "Invalid phone number. Please enter a valid 10-digit US phone number."</a:t>
+            </a:r>
+          </a:p>
+          <a:p>
+            <a:r>
+              <a:rPr lang="en-US" dirty="0"/>
+              <a:t>o	Address Fields:</a:t>
+            </a:r>
+          </a:p>
+          <a:p>
+            <a:pPr lvl="1"/>
+            <a:r>
+              <a:rPr lang="en-US" b="0" dirty="0"/>
+              <a:t>Street, city, state, and ZIP code are required.</a:t>
+            </a:r>
+          </a:p>
+          <a:p>
+            <a:pPr lvl="1"/>
+            <a:r>
+              <a:rPr lang="en-US" b="0" dirty="0"/>
+              <a:t>ZIP code must be 5 digits.</a:t>
+            </a:r>
+          </a:p>
+          <a:p>
+            <a:pPr lvl="1"/>
+            <a:r>
+              <a:rPr lang="en-US" b="0" dirty="0"/>
+              <a:t>Error Message: "ZIP code must be a 5-digit number."</a:t>
+            </a:r>
+          </a:p>
+        </p:txBody>
+      </p:sp>
+      <p:sp>
+        <p:nvSpPr>
+          <p:cNvPr id="6" name="CuadroTexto 5">
             <a:extLst>
               <a:ext uri="{FF2B5EF4-FFF2-40B4-BE49-F238E27FC236}">
-                <a16:creationId xmlns:a16="http://schemas.microsoft.com/office/drawing/2014/main" id="{59147B17-4342-80E8-92BE-3053A419ECB3}"/>
+                <a16:creationId xmlns:a16="http://schemas.microsoft.com/office/drawing/2014/main" id="{A233C207-0D05-2379-40F7-E20DA7C07E51}"/>
               </a:ext>
             </a:extLst>
           </p:cNvPr>
-          <p:cNvPicPr>
-            <a:picLocks noGrp="1" noChangeAspect="1"/>
-          </p:cNvPicPr>
-          <p:nvPr>
-            <p:ph type="pic" idx="1"/>
-          </p:nvPr>
-        </p:nvPicPr>
-        <p:blipFill>
-          <a:blip r:embed="rId2"/>
-          <a:srcRect t="18029" b="18029"/>
-          <a:stretch>
-            <a:fillRect/>
-          </a:stretch>
-        </p:blipFill>
+          <p:cNvSpPr txBox="1"/>
+          <p:nvPr/>
+        </p:nvSpPr>
         <p:spPr>
           <a:xfrm>
-            <a:off x="2478376" y="583832"/>
-            <a:ext cx="8392824" cy="3629011"/>
+            <a:off x="6695768" y="3726996"/>
+            <a:ext cx="5496232" cy="1754326"/>
           </a:xfrm>
-          <a:prstGeom prst="roundRect">
-            <a:avLst>
-              <a:gd name="adj" fmla="val 8594"/>
-            </a:avLst>
+          <a:prstGeom prst="rect">
+            <a:avLst/>
           </a:prstGeom>
-          <a:solidFill>
-            <a:srgbClr val="FFFFFF">
-              <a:shade val="85000"/>
-            </a:srgbClr>
-          </a:solidFill>
-          <a:ln>
-            <a:noFill/>
-          </a:ln>
+          <a:noFill/>
           <a:effectLst>
-            <a:reflection blurRad="12700" stA="38000" endPos="28000" dist="5000" dir="5400000" sy="-100000" algn="bl" rotWithShape="0"/>
+            <a:softEdge rad="127000"/>
           </a:effectLst>
+          <a:scene3d>
+            <a:camera prst="orthographicFront"/>
+            <a:lightRig rig="threePt" dir="t"/>
+          </a:scene3d>
+          <a:sp3d contourW="25400" prstMaterial="softEdge">
+            <a:bevelT prst="slope"/>
+            <a:contourClr>
+              <a:schemeClr val="accent6">
+                <a:lumMod val="75000"/>
+              </a:schemeClr>
+            </a:contourClr>
+          </a:sp3d>
         </p:spPr>
-      </p:pic>
-      <p:sp>
-        <p:nvSpPr>
-          <p:cNvPr id="4" name="Marcador de texto 3">
+        <p:txBody>
+          <a:bodyPr wrap="square">
+            <a:spAutoFit/>
+          </a:bodyPr>
+          <a:lstStyle>
+            <a:defPPr>
+              <a:defRPr lang="en-US"/>
+            </a:defPPr>
+            <a:lvl1pPr>
+              <a:defRPr b="0"/>
+            </a:lvl1pPr>
+          </a:lstStyle>
+          <a:p>
+            <a:r>
+              <a:rPr lang="en-US" b="1" dirty="0" err="1"/>
+              <a:t>MembersWindow</a:t>
+            </a:r>
+            <a:r>
+              <a:rPr lang="en-US" b="1" dirty="0"/>
+              <a:t> - Validation Flow:  </a:t>
+            </a:r>
+          </a:p>
+          <a:p>
+            <a:r>
+              <a:rPr lang="en-US" dirty="0"/>
+              <a:t>In the </a:t>
+            </a:r>
+            <a:r>
+              <a:rPr lang="en-US" dirty="0" err="1"/>
+              <a:t>MembersWindow</a:t>
+            </a:r>
+            <a:r>
+              <a:rPr lang="en-US" dirty="0"/>
+              <a:t>, the system ensures that all fields, including name, phone number, and address, are completed. Any missing or incorrectly formatted fields trigger validation errors and prevent submission</a:t>
+            </a:r>
+          </a:p>
+        </p:txBody>
+      </p:sp>
+      <p:sp>
+        <p:nvSpPr>
+          <p:cNvPr id="7" name="Título 1">
             <a:extLst>
               <a:ext uri="{FF2B5EF4-FFF2-40B4-BE49-F238E27FC236}">
-                <a16:creationId xmlns:a16="http://schemas.microsoft.com/office/drawing/2014/main" id="{6EEC8503-08DE-F0A1-6386-2EB0D08B952F}"/>
+                <a16:creationId xmlns:a16="http://schemas.microsoft.com/office/drawing/2014/main" id="{4F804187-B9D2-2D8C-A072-979CE54E00F8}"/>
               </a:ext>
             </a:extLst>
           </p:cNvPr>
@@ -9286,25 +10304,33 @@
             <a:spLocks noGrp="1"/>
           </p:cNvSpPr>
           <p:nvPr>
-            <p:ph type="body" sz="half" idx="2"/>
-          </p:nvPr>
-        </p:nvSpPr>
-        <p:spPr/>
-        <p:txBody>
-          <a:bodyPr/>
+            <p:ph type="title"/>
+          </p:nvPr>
+        </p:nvSpPr>
+        <p:spPr>
+          <a:xfrm>
+            <a:off x="1607574" y="624110"/>
+            <a:ext cx="10146891" cy="659000"/>
+          </a:xfrm>
+        </p:spPr>
+        <p:txBody>
+          <a:bodyPr>
+            <a:normAutofit/>
+          </a:bodyPr>
           <a:lstStyle/>
           <a:p>
             <a:r>
-              <a:rPr lang="es-CO" dirty="0"/>
-              <a:t>https://github.com/devmarwane/library-management</a:t>
-            </a:r>
+              <a:rPr lang="en-US" sz="3200" dirty="0"/>
+              <a:t>Discussion on Validation Rules of UI Windows (3/5)</a:t>
+            </a:r>
+            <a:endParaRPr lang="es-CO" sz="3200" dirty="0"/>
           </a:p>
         </p:txBody>
       </p:sp>
     </p:spTree>
     <p:extLst>
       <p:ext uri="{BB962C8B-B14F-4D97-AF65-F5344CB8AC3E}">
-        <p14:creationId xmlns:p14="http://schemas.microsoft.com/office/powerpoint/2010/main" val="3694745281"/>
+        <p14:creationId xmlns:p14="http://schemas.microsoft.com/office/powerpoint/2010/main" val="1188529902"/>
       </p:ext>
     </p:extLst>
   </p:cSld>
